--- a/Dokumentation.pptx
+++ b/Dokumentation.pptx
@@ -2,14 +2,15 @@
 <file path=ppt/presentation.xml><?xml version="1.0" encoding="utf-8"?>
 <p:presentation xmlns:a="http://schemas.openxmlformats.org/drawingml/2006/main" xmlns:r="http://schemas.openxmlformats.org/officeDocument/2006/relationships" xmlns:p="http://schemas.openxmlformats.org/presentationml/2006/main" showSpecialPlsOnTitleSld="0" saveSubsetFonts="1">
   <p:sldMasterIdLst>
-    <p:sldMasterId id="2147483648" r:id="rId1"/>
+    <p:sldMasterId id="2147483660" r:id="rId1"/>
   </p:sldMasterIdLst>
   <p:notesMasterIdLst>
-    <p:notesMasterId r:id="rId4"/>
+    <p:notesMasterId r:id="rId5"/>
   </p:notesMasterIdLst>
   <p:sldIdLst>
     <p:sldId id="256" r:id="rId2"/>
     <p:sldId id="257" r:id="rId3"/>
+    <p:sldId id="258" r:id="rId4"/>
   </p:sldIdLst>
   <p:sldSz cx="12192000" cy="6858000"/>
   <p:notesSz cx="6858000" cy="9144000"/>
@@ -198,7 +199,7 @@
           <a:p>
             <a:fld id="{1556C86D-FB63-422E-9F9D-3A58881BE0D9}" type="datetimeFigureOut">
               <a:rPr lang="de-AT" smtClean="0"/>
-              <a:t>22.09.2014</a:t>
+              <a:t>24.09.2014</a:t>
             </a:fld>
             <a:endParaRPr lang="de-AT"/>
           </a:p>
@@ -736,7 +737,7 @@
     </p:spTree>
     <p:extLst>
       <p:ext uri="{BB962C8B-B14F-4D97-AF65-F5344CB8AC3E}">
-        <p14:creationId xmlns:p14="http://schemas.microsoft.com/office/powerpoint/2010/main" val="1446138064"/>
+        <p14:creationId xmlns:p14="http://schemas.microsoft.com/office/powerpoint/2010/main" val="1752573133"/>
       </p:ext>
     </p:extLst>
   </p:cSld>
@@ -747,6 +748,267 @@
 </file>
 
 <file path=ppt/slideLayouts/slideLayout10.xml><?xml version="1.0" encoding="utf-8"?>
+<p:sldLayout xmlns:a="http://schemas.openxmlformats.org/drawingml/2006/main" xmlns:r="http://schemas.openxmlformats.org/officeDocument/2006/relationships" xmlns:p="http://schemas.openxmlformats.org/presentationml/2006/main" type="picTx" preserve="1">
+  <p:cSld name="Bild mit Überschrift">
+    <p:spTree>
+      <p:nvGrpSpPr>
+        <p:cNvPr id="1" name=""/>
+        <p:cNvGrpSpPr/>
+        <p:nvPr/>
+      </p:nvGrpSpPr>
+      <p:grpSpPr>
+        <a:xfrm>
+          <a:off x="0" y="0"/>
+          <a:ext cx="0" cy="0"/>
+          <a:chOff x="0" y="0"/>
+          <a:chExt cx="0" cy="0"/>
+        </a:xfrm>
+      </p:grpSpPr>
+      <p:sp>
+        <p:nvSpPr>
+          <p:cNvPr id="2" name="Titel 1"/>
+          <p:cNvSpPr>
+            <a:spLocks noGrp="1"/>
+          </p:cNvSpPr>
+          <p:nvPr>
+            <p:ph type="title"/>
+          </p:nvPr>
+        </p:nvSpPr>
+        <p:spPr>
+          <a:xfrm>
+            <a:off x="839788" y="457200"/>
+            <a:ext cx="3932237" cy="1600200"/>
+          </a:xfrm>
+        </p:spPr>
+        <p:txBody>
+          <a:bodyPr anchor="b"/>
+          <a:lstStyle>
+            <a:lvl1pPr>
+              <a:defRPr sz="3200"/>
+            </a:lvl1pPr>
+          </a:lstStyle>
+          <a:p>
+            <a:r>
+              <a:rPr lang="de-DE" smtClean="0"/>
+              <a:t>Titelmasterformat durch Klicken bearbeiten</a:t>
+            </a:r>
+            <a:endParaRPr lang="de-AT"/>
+          </a:p>
+        </p:txBody>
+      </p:sp>
+      <p:sp>
+        <p:nvSpPr>
+          <p:cNvPr id="3" name="Bildplatzhalter 2"/>
+          <p:cNvSpPr>
+            <a:spLocks noGrp="1"/>
+          </p:cNvSpPr>
+          <p:nvPr>
+            <p:ph type="pic" idx="1"/>
+          </p:nvPr>
+        </p:nvSpPr>
+        <p:spPr>
+          <a:xfrm>
+            <a:off x="5183188" y="987425"/>
+            <a:ext cx="6172200" cy="4873625"/>
+          </a:xfrm>
+        </p:spPr>
+        <p:txBody>
+          <a:bodyPr/>
+          <a:lstStyle>
+            <a:lvl1pPr marL="0" indent="0">
+              <a:buNone/>
+              <a:defRPr sz="3200"/>
+            </a:lvl1pPr>
+            <a:lvl2pPr marL="457200" indent="0">
+              <a:buNone/>
+              <a:defRPr sz="2800"/>
+            </a:lvl2pPr>
+            <a:lvl3pPr marL="914400" indent="0">
+              <a:buNone/>
+              <a:defRPr sz="2400"/>
+            </a:lvl3pPr>
+            <a:lvl4pPr marL="1371600" indent="0">
+              <a:buNone/>
+              <a:defRPr sz="2000"/>
+            </a:lvl4pPr>
+            <a:lvl5pPr marL="1828800" indent="0">
+              <a:buNone/>
+              <a:defRPr sz="2000"/>
+            </a:lvl5pPr>
+            <a:lvl6pPr marL="2286000" indent="0">
+              <a:buNone/>
+              <a:defRPr sz="2000"/>
+            </a:lvl6pPr>
+            <a:lvl7pPr marL="2743200" indent="0">
+              <a:buNone/>
+              <a:defRPr sz="2000"/>
+            </a:lvl7pPr>
+            <a:lvl8pPr marL="3200400" indent="0">
+              <a:buNone/>
+              <a:defRPr sz="2000"/>
+            </a:lvl8pPr>
+            <a:lvl9pPr marL="3657600" indent="0">
+              <a:buNone/>
+              <a:defRPr sz="2000"/>
+            </a:lvl9pPr>
+          </a:lstStyle>
+          <a:p>
+            <a:r>
+              <a:rPr lang="de-DE" smtClean="0"/>
+              <a:t>Bild durch Klicken auf Symbol hinzufügen</a:t>
+            </a:r>
+            <a:endParaRPr lang="de-AT"/>
+          </a:p>
+        </p:txBody>
+      </p:sp>
+      <p:sp>
+        <p:nvSpPr>
+          <p:cNvPr id="4" name="Textplatzhalter 3"/>
+          <p:cNvSpPr>
+            <a:spLocks noGrp="1"/>
+          </p:cNvSpPr>
+          <p:nvPr>
+            <p:ph type="body" sz="half" idx="2"/>
+          </p:nvPr>
+        </p:nvSpPr>
+        <p:spPr>
+          <a:xfrm>
+            <a:off x="839788" y="2057400"/>
+            <a:ext cx="3932237" cy="3811588"/>
+          </a:xfrm>
+        </p:spPr>
+        <p:txBody>
+          <a:bodyPr/>
+          <a:lstStyle>
+            <a:lvl1pPr marL="0" indent="0">
+              <a:buNone/>
+              <a:defRPr sz="1600"/>
+            </a:lvl1pPr>
+            <a:lvl2pPr marL="457200" indent="0">
+              <a:buNone/>
+              <a:defRPr sz="1400"/>
+            </a:lvl2pPr>
+            <a:lvl3pPr marL="914400" indent="0">
+              <a:buNone/>
+              <a:defRPr sz="1200"/>
+            </a:lvl3pPr>
+            <a:lvl4pPr marL="1371600" indent="0">
+              <a:buNone/>
+              <a:defRPr sz="1000"/>
+            </a:lvl4pPr>
+            <a:lvl5pPr marL="1828800" indent="0">
+              <a:buNone/>
+              <a:defRPr sz="1000"/>
+            </a:lvl5pPr>
+            <a:lvl6pPr marL="2286000" indent="0">
+              <a:buNone/>
+              <a:defRPr sz="1000"/>
+            </a:lvl6pPr>
+            <a:lvl7pPr marL="2743200" indent="0">
+              <a:buNone/>
+              <a:defRPr sz="1000"/>
+            </a:lvl7pPr>
+            <a:lvl8pPr marL="3200400" indent="0">
+              <a:buNone/>
+              <a:defRPr sz="1000"/>
+            </a:lvl8pPr>
+            <a:lvl9pPr marL="3657600" indent="0">
+              <a:buNone/>
+              <a:defRPr sz="1000"/>
+            </a:lvl9pPr>
+          </a:lstStyle>
+          <a:p>
+            <a:pPr lvl="0"/>
+            <a:r>
+              <a:rPr lang="de-DE" smtClean="0"/>
+              <a:t>Textmasterformat bearbeiten</a:t>
+            </a:r>
+          </a:p>
+        </p:txBody>
+      </p:sp>
+      <p:sp>
+        <p:nvSpPr>
+          <p:cNvPr id="5" name="Datumsplatzhalter 4"/>
+          <p:cNvSpPr>
+            <a:spLocks noGrp="1"/>
+          </p:cNvSpPr>
+          <p:nvPr>
+            <p:ph type="dt" sz="half" idx="10"/>
+          </p:nvPr>
+        </p:nvSpPr>
+        <p:spPr/>
+        <p:txBody>
+          <a:bodyPr/>
+          <a:lstStyle/>
+          <a:p>
+            <a:r>
+              <a:rPr lang="de-DE" smtClean="0"/>
+              <a:t>09.2014</a:t>
+            </a:r>
+            <a:endParaRPr lang="de-AT"/>
+          </a:p>
+        </p:txBody>
+      </p:sp>
+      <p:sp>
+        <p:nvSpPr>
+          <p:cNvPr id="6" name="Fußzeilenplatzhalter 5"/>
+          <p:cNvSpPr>
+            <a:spLocks noGrp="1"/>
+          </p:cNvSpPr>
+          <p:nvPr>
+            <p:ph type="ftr" sz="quarter" idx="11"/>
+          </p:nvPr>
+        </p:nvSpPr>
+        <p:spPr/>
+        <p:txBody>
+          <a:bodyPr/>
+          <a:lstStyle/>
+          <a:p>
+            <a:r>
+              <a:rPr lang="de-AT" smtClean="0"/>
+              <a:t>ssteinkellner, mkritzl, serceg</a:t>
+            </a:r>
+            <a:endParaRPr lang="de-AT"/>
+          </a:p>
+        </p:txBody>
+      </p:sp>
+      <p:sp>
+        <p:nvSpPr>
+          <p:cNvPr id="7" name="Foliennummernplatzhalter 6"/>
+          <p:cNvSpPr>
+            <a:spLocks noGrp="1"/>
+          </p:cNvSpPr>
+          <p:nvPr>
+            <p:ph type="sldNum" sz="quarter" idx="12"/>
+          </p:nvPr>
+        </p:nvSpPr>
+        <p:spPr/>
+        <p:txBody>
+          <a:bodyPr/>
+          <a:lstStyle/>
+          <a:p>
+            <a:fld id="{E06C52FA-FC0A-44F6-9706-AF66C8F44DCF}" type="slidenum">
+              <a:rPr lang="de-AT" smtClean="0"/>
+              <a:t>‹Nr.›</a:t>
+            </a:fld>
+            <a:endParaRPr lang="de-AT"/>
+          </a:p>
+        </p:txBody>
+      </p:sp>
+    </p:spTree>
+    <p:extLst>
+      <p:ext uri="{BB962C8B-B14F-4D97-AF65-F5344CB8AC3E}">
+        <p14:creationId xmlns:p14="http://schemas.microsoft.com/office/powerpoint/2010/main" val="681249133"/>
+      </p:ext>
+    </p:extLst>
+  </p:cSld>
+  <p:clrMapOvr>
+    <a:masterClrMapping/>
+  </p:clrMapOvr>
+</p:sldLayout>
+</file>
+
+<file path=ppt/slideLayouts/slideLayout11.xml><?xml version="1.0" encoding="utf-8"?>
 <p:sldLayout xmlns:a="http://schemas.openxmlformats.org/drawingml/2006/main" xmlns:r="http://schemas.openxmlformats.org/officeDocument/2006/relationships" xmlns:p="http://schemas.openxmlformats.org/presentationml/2006/main" type="vertTx" preserve="1">
   <p:cSld name="Titel und vertikaler Text">
     <p:spTree>
@@ -773,7 +1035,12 @@
             <p:ph type="title"/>
           </p:nvPr>
         </p:nvSpPr>
-        <p:spPr/>
+        <p:spPr>
+          <a:xfrm>
+            <a:off x="838200" y="0"/>
+            <a:ext cx="10515600" cy="1080000"/>
+          </a:xfrm>
+        </p:spPr>
         <p:txBody>
           <a:bodyPr/>
           <a:lstStyle/>
@@ -796,7 +1063,12 @@
             <p:ph type="body" orient="vert" idx="1"/>
           </p:nvPr>
         </p:nvSpPr>
-        <p:spPr/>
+        <p:spPr>
+          <a:xfrm>
+            <a:off x="838200" y="1080000"/>
+            <a:ext cx="10515600" cy="5096963"/>
+          </a:xfrm>
+        </p:spPr>
         <p:txBody>
           <a:bodyPr vert="eaVert"/>
           <a:lstStyle/>
@@ -910,7 +1182,7 @@
     </p:spTree>
     <p:extLst>
       <p:ext uri="{BB962C8B-B14F-4D97-AF65-F5344CB8AC3E}">
-        <p14:creationId xmlns:p14="http://schemas.microsoft.com/office/powerpoint/2010/main" val="362675527"/>
+        <p14:creationId xmlns:p14="http://schemas.microsoft.com/office/powerpoint/2010/main" val="2889367265"/>
       </p:ext>
     </p:extLst>
   </p:cSld>
@@ -920,7 +1192,7 @@
 </p:sldLayout>
 </file>
 
-<file path=ppt/slideLayouts/slideLayout11.xml><?xml version="1.0" encoding="utf-8"?>
+<file path=ppt/slideLayouts/slideLayout12.xml><?xml version="1.0" encoding="utf-8"?>
 <p:sldLayout xmlns:a="http://schemas.openxmlformats.org/drawingml/2006/main" xmlns:r="http://schemas.openxmlformats.org/officeDocument/2006/relationships" xmlns:p="http://schemas.openxmlformats.org/presentationml/2006/main" type="vertTitleAndTx" preserve="1">
   <p:cSld name="Vertikaler Titel und Text">
     <p:spTree>
@@ -1094,7 +1366,7 @@
     </p:spTree>
     <p:extLst>
       <p:ext uri="{BB962C8B-B14F-4D97-AF65-F5344CB8AC3E}">
-        <p14:creationId xmlns:p14="http://schemas.microsoft.com/office/powerpoint/2010/main" val="2763355290"/>
+        <p14:creationId xmlns:p14="http://schemas.microsoft.com/office/powerpoint/2010/main" val="736143042"/>
       </p:ext>
     </p:extLst>
   </p:cSld>
@@ -1131,7 +1403,12 @@
             <p:ph type="title"/>
           </p:nvPr>
         </p:nvSpPr>
-        <p:spPr/>
+        <p:spPr>
+          <a:xfrm>
+            <a:off x="838200" y="0"/>
+            <a:ext cx="10515600" cy="1080000"/>
+          </a:xfrm>
+        </p:spPr>
         <p:txBody>
           <a:bodyPr/>
           <a:lstStyle/>
@@ -1140,7 +1417,7 @@
               <a:rPr lang="de-DE" smtClean="0"/>
               <a:t>Titelmasterformat durch Klicken bearbeiten</a:t>
             </a:r>
-            <a:endParaRPr lang="de-AT"/>
+            <a:endParaRPr lang="de-AT" dirty="0"/>
           </a:p>
         </p:txBody>
       </p:sp>
@@ -1154,10 +1431,33 @@
             <p:ph idx="1"/>
           </p:nvPr>
         </p:nvSpPr>
-        <p:spPr/>
+        <p:spPr>
+          <a:xfrm>
+            <a:off x="838200" y="1080000"/>
+            <a:ext cx="10515600" cy="5276350"/>
+          </a:xfrm>
+        </p:spPr>
         <p:txBody>
-          <a:bodyPr/>
-          <a:lstStyle/>
+          <a:bodyPr>
+            <a:normAutofit/>
+          </a:bodyPr>
+          <a:lstStyle>
+            <a:lvl1pPr>
+              <a:defRPr sz="2000"/>
+            </a:lvl1pPr>
+            <a:lvl2pPr>
+              <a:defRPr sz="1800"/>
+            </a:lvl2pPr>
+            <a:lvl3pPr>
+              <a:defRPr sz="1600"/>
+            </a:lvl3pPr>
+            <a:lvl4pPr>
+              <a:defRPr sz="1400"/>
+            </a:lvl4pPr>
+            <a:lvl5pPr>
+              <a:defRPr sz="1200"/>
+            </a:lvl5pPr>
+          </a:lstStyle>
           <a:p>
             <a:pPr lvl="0"/>
             <a:r>
@@ -1192,7 +1492,7 @@
               <a:rPr lang="de-DE" smtClean="0"/>
               <a:t>Fünfte Ebene</a:t>
             </a:r>
-            <a:endParaRPr lang="de-AT"/>
+            <a:endParaRPr lang="de-AT" dirty="0"/>
           </a:p>
         </p:txBody>
       </p:sp>
@@ -1268,7 +1568,7 @@
     </p:spTree>
     <p:extLst>
       <p:ext uri="{BB962C8B-B14F-4D97-AF65-F5344CB8AC3E}">
-        <p14:creationId xmlns:p14="http://schemas.microsoft.com/office/powerpoint/2010/main" val="509169256"/>
+        <p14:creationId xmlns:p14="http://schemas.microsoft.com/office/powerpoint/2010/main" val="2940626289"/>
       </p:ext>
     </p:extLst>
   </p:cSld>
@@ -1279,6 +1579,181 @@
 </file>
 
 <file path=ppt/slideLayouts/slideLayout3.xml><?xml version="1.0" encoding="utf-8"?>
+<p:sldLayout xmlns:a="http://schemas.openxmlformats.org/drawingml/2006/main" xmlns:r="http://schemas.openxmlformats.org/officeDocument/2006/relationships" xmlns:p="http://schemas.openxmlformats.org/presentationml/2006/main" preserve="1">
+  <p:cSld name="nur Inhalt">
+    <p:spTree>
+      <p:nvGrpSpPr>
+        <p:cNvPr id="1" name=""/>
+        <p:cNvGrpSpPr/>
+        <p:nvPr/>
+      </p:nvGrpSpPr>
+      <p:grpSpPr>
+        <a:xfrm>
+          <a:off x="0" y="0"/>
+          <a:ext cx="0" cy="0"/>
+          <a:chOff x="0" y="0"/>
+          <a:chExt cx="0" cy="0"/>
+        </a:xfrm>
+      </p:grpSpPr>
+      <p:sp>
+        <p:nvSpPr>
+          <p:cNvPr id="3" name="Inhaltsplatzhalter 2"/>
+          <p:cNvSpPr>
+            <a:spLocks noGrp="1"/>
+          </p:cNvSpPr>
+          <p:nvPr>
+            <p:ph idx="1"/>
+          </p:nvPr>
+        </p:nvSpPr>
+        <p:spPr>
+          <a:xfrm>
+            <a:off x="838200" y="360000"/>
+            <a:ext cx="10515600" cy="5996350"/>
+          </a:xfrm>
+        </p:spPr>
+        <p:txBody>
+          <a:bodyPr>
+            <a:normAutofit/>
+          </a:bodyPr>
+          <a:lstStyle>
+            <a:lvl1pPr>
+              <a:defRPr sz="2000"/>
+            </a:lvl1pPr>
+            <a:lvl2pPr>
+              <a:defRPr sz="1800"/>
+            </a:lvl2pPr>
+            <a:lvl3pPr>
+              <a:defRPr sz="1600"/>
+            </a:lvl3pPr>
+            <a:lvl4pPr>
+              <a:defRPr sz="1400"/>
+            </a:lvl4pPr>
+            <a:lvl5pPr>
+              <a:defRPr sz="1200"/>
+            </a:lvl5pPr>
+          </a:lstStyle>
+          <a:p>
+            <a:pPr lvl="0"/>
+            <a:r>
+              <a:rPr lang="de-DE" smtClean="0"/>
+              <a:t>Textmasterformat bearbeiten</a:t>
+            </a:r>
+          </a:p>
+          <a:p>
+            <a:pPr lvl="1"/>
+            <a:r>
+              <a:rPr lang="de-DE" smtClean="0"/>
+              <a:t>Zweite Ebene</a:t>
+            </a:r>
+          </a:p>
+          <a:p>
+            <a:pPr lvl="2"/>
+            <a:r>
+              <a:rPr lang="de-DE" smtClean="0"/>
+              <a:t>Dritte Ebene</a:t>
+            </a:r>
+          </a:p>
+          <a:p>
+            <a:pPr lvl="3"/>
+            <a:r>
+              <a:rPr lang="de-DE" smtClean="0"/>
+              <a:t>Vierte Ebene</a:t>
+            </a:r>
+          </a:p>
+          <a:p>
+            <a:pPr lvl="4"/>
+            <a:r>
+              <a:rPr lang="de-DE" smtClean="0"/>
+              <a:t>Fünfte Ebene</a:t>
+            </a:r>
+            <a:endParaRPr lang="de-AT" dirty="0"/>
+          </a:p>
+        </p:txBody>
+      </p:sp>
+      <p:sp>
+        <p:nvSpPr>
+          <p:cNvPr id="4" name="Datumsplatzhalter 3"/>
+          <p:cNvSpPr>
+            <a:spLocks noGrp="1"/>
+          </p:cNvSpPr>
+          <p:nvPr>
+            <p:ph type="dt" sz="half" idx="10"/>
+          </p:nvPr>
+        </p:nvSpPr>
+        <p:spPr/>
+        <p:txBody>
+          <a:bodyPr/>
+          <a:lstStyle/>
+          <a:p>
+            <a:r>
+              <a:rPr lang="de-DE" smtClean="0"/>
+              <a:t>09.2014</a:t>
+            </a:r>
+            <a:endParaRPr lang="de-AT"/>
+          </a:p>
+        </p:txBody>
+      </p:sp>
+      <p:sp>
+        <p:nvSpPr>
+          <p:cNvPr id="5" name="Fußzeilenplatzhalter 4"/>
+          <p:cNvSpPr>
+            <a:spLocks noGrp="1"/>
+          </p:cNvSpPr>
+          <p:nvPr>
+            <p:ph type="ftr" sz="quarter" idx="11"/>
+          </p:nvPr>
+        </p:nvSpPr>
+        <p:spPr/>
+        <p:txBody>
+          <a:bodyPr/>
+          <a:lstStyle/>
+          <a:p>
+            <a:r>
+              <a:rPr lang="de-AT" smtClean="0"/>
+              <a:t>ssteinkellner, mkritzl, serceg</a:t>
+            </a:r>
+            <a:endParaRPr lang="de-AT"/>
+          </a:p>
+        </p:txBody>
+      </p:sp>
+      <p:sp>
+        <p:nvSpPr>
+          <p:cNvPr id="6" name="Foliennummernplatzhalter 5"/>
+          <p:cNvSpPr>
+            <a:spLocks noGrp="1"/>
+          </p:cNvSpPr>
+          <p:nvPr>
+            <p:ph type="sldNum" sz="quarter" idx="12"/>
+          </p:nvPr>
+        </p:nvSpPr>
+        <p:spPr/>
+        <p:txBody>
+          <a:bodyPr/>
+          <a:lstStyle/>
+          <a:p>
+            <a:fld id="{E06C52FA-FC0A-44F6-9706-AF66C8F44DCF}" type="slidenum">
+              <a:rPr lang="de-AT" smtClean="0"/>
+              <a:t>‹Nr.›</a:t>
+            </a:fld>
+            <a:endParaRPr lang="de-AT"/>
+          </a:p>
+        </p:txBody>
+      </p:sp>
+    </p:spTree>
+    <p:extLst>
+      <p:ext uri="{BB962C8B-B14F-4D97-AF65-F5344CB8AC3E}">
+        <p14:creationId xmlns:p14="http://schemas.microsoft.com/office/powerpoint/2010/main" val="3514843177"/>
+      </p:ext>
+    </p:extLst>
+  </p:cSld>
+  <p:clrMapOvr>
+    <a:masterClrMapping/>
+  </p:clrMapOvr>
+  <p:hf hdr="0"/>
+</p:sldLayout>
+</file>
+
+<file path=ppt/slideLayouts/slideLayout4.xml><?xml version="1.0" encoding="utf-8"?>
 <p:sldLayout xmlns:a="http://schemas.openxmlformats.org/drawingml/2006/main" xmlns:r="http://schemas.openxmlformats.org/officeDocument/2006/relationships" xmlns:p="http://schemas.openxmlformats.org/presentationml/2006/main" type="secHead" preserve="1">
   <p:cSld name="Abschnitts-&#10;überschrift">
     <p:spTree>
@@ -1518,7 +1993,7 @@
     </p:spTree>
     <p:extLst>
       <p:ext uri="{BB962C8B-B14F-4D97-AF65-F5344CB8AC3E}">
-        <p14:creationId xmlns:p14="http://schemas.microsoft.com/office/powerpoint/2010/main" val="4193572911"/>
+        <p14:creationId xmlns:p14="http://schemas.microsoft.com/office/powerpoint/2010/main" val="3973075163"/>
       </p:ext>
     </p:extLst>
   </p:cSld>
@@ -1528,7 +2003,7 @@
 </p:sldLayout>
 </file>
 
-<file path=ppt/slideLayouts/slideLayout4.xml><?xml version="1.0" encoding="utf-8"?>
+<file path=ppt/slideLayouts/slideLayout5.xml><?xml version="1.0" encoding="utf-8"?>
 <p:sldLayout xmlns:a="http://schemas.openxmlformats.org/drawingml/2006/main" xmlns:r="http://schemas.openxmlformats.org/officeDocument/2006/relationships" xmlns:p="http://schemas.openxmlformats.org/presentationml/2006/main" type="twoObj" preserve="1">
   <p:cSld name="Zwei Inhalte">
     <p:spTree>
@@ -1555,7 +2030,12 @@
             <p:ph type="title"/>
           </p:nvPr>
         </p:nvSpPr>
-        <p:spPr/>
+        <p:spPr>
+          <a:xfrm>
+            <a:off x="838200" y="0"/>
+            <a:ext cx="10515600" cy="1080000"/>
+          </a:xfrm>
+        </p:spPr>
         <p:txBody>
           <a:bodyPr/>
           <a:lstStyle/>
@@ -1580,13 +2060,31 @@
         </p:nvSpPr>
         <p:spPr>
           <a:xfrm>
-            <a:off x="838200" y="1825625"/>
-            <a:ext cx="5181600" cy="4351338"/>
+            <a:off x="838200" y="1080000"/>
+            <a:ext cx="5181600" cy="5276350"/>
           </a:xfrm>
         </p:spPr>
         <p:txBody>
-          <a:bodyPr/>
-          <a:lstStyle/>
+          <a:bodyPr>
+            <a:normAutofit/>
+          </a:bodyPr>
+          <a:lstStyle>
+            <a:lvl1pPr>
+              <a:defRPr sz="2000"/>
+            </a:lvl1pPr>
+            <a:lvl2pPr>
+              <a:defRPr sz="1800"/>
+            </a:lvl2pPr>
+            <a:lvl3pPr>
+              <a:defRPr sz="1600"/>
+            </a:lvl3pPr>
+            <a:lvl4pPr>
+              <a:defRPr sz="1400"/>
+            </a:lvl4pPr>
+            <a:lvl5pPr>
+              <a:defRPr sz="1200"/>
+            </a:lvl5pPr>
+          </a:lstStyle>
           <a:p>
             <a:pPr lvl="0"/>
             <a:r>
@@ -1621,7 +2119,7 @@
               <a:rPr lang="de-DE" smtClean="0"/>
               <a:t>Fünfte Ebene</a:t>
             </a:r>
-            <a:endParaRPr lang="de-AT"/>
+            <a:endParaRPr lang="de-AT" dirty="0"/>
           </a:p>
         </p:txBody>
       </p:sp>
@@ -1637,13 +2135,31 @@
         </p:nvSpPr>
         <p:spPr>
           <a:xfrm>
-            <a:off x="6172200" y="1825625"/>
-            <a:ext cx="5181600" cy="4351338"/>
+            <a:off x="6172200" y="1080000"/>
+            <a:ext cx="5181600" cy="5276350"/>
           </a:xfrm>
         </p:spPr>
         <p:txBody>
-          <a:bodyPr/>
-          <a:lstStyle/>
+          <a:bodyPr>
+            <a:normAutofit/>
+          </a:bodyPr>
+          <a:lstStyle>
+            <a:lvl1pPr>
+              <a:defRPr sz="2000"/>
+            </a:lvl1pPr>
+            <a:lvl2pPr>
+              <a:defRPr sz="1800"/>
+            </a:lvl2pPr>
+            <a:lvl3pPr>
+              <a:defRPr sz="1600"/>
+            </a:lvl3pPr>
+            <a:lvl4pPr>
+              <a:defRPr sz="1400"/>
+            </a:lvl4pPr>
+            <a:lvl5pPr>
+              <a:defRPr sz="1200"/>
+            </a:lvl5pPr>
+          </a:lstStyle>
           <a:p>
             <a:pPr lvl="0"/>
             <a:r>
@@ -1678,7 +2194,7 @@
               <a:rPr lang="de-DE" smtClean="0"/>
               <a:t>Fünfte Ebene</a:t>
             </a:r>
-            <a:endParaRPr lang="de-AT"/>
+            <a:endParaRPr lang="de-AT" dirty="0"/>
           </a:p>
         </p:txBody>
       </p:sp>
@@ -1754,7 +2270,7 @@
     </p:spTree>
     <p:extLst>
       <p:ext uri="{BB962C8B-B14F-4D97-AF65-F5344CB8AC3E}">
-        <p14:creationId xmlns:p14="http://schemas.microsoft.com/office/powerpoint/2010/main" val="2141884648"/>
+        <p14:creationId xmlns:p14="http://schemas.microsoft.com/office/powerpoint/2010/main" val="2523502879"/>
       </p:ext>
     </p:extLst>
   </p:cSld>
@@ -1764,7 +2280,7 @@
 </p:sldLayout>
 </file>
 
-<file path=ppt/slideLayouts/slideLayout5.xml><?xml version="1.0" encoding="utf-8"?>
+<file path=ppt/slideLayouts/slideLayout6.xml><?xml version="1.0" encoding="utf-8"?>
 <p:sldLayout xmlns:a="http://schemas.openxmlformats.org/drawingml/2006/main" xmlns:r="http://schemas.openxmlformats.org/officeDocument/2006/relationships" xmlns:p="http://schemas.openxmlformats.org/presentationml/2006/main" type="twoTxTwoObj" preserve="1">
   <p:cSld name="Vergleich">
     <p:spTree>
@@ -1793,8 +2309,8 @@
         </p:nvSpPr>
         <p:spPr>
           <a:xfrm>
-            <a:off x="839788" y="365125"/>
-            <a:ext cx="10515600" cy="1325563"/>
+            <a:off x="839788" y="0"/>
+            <a:ext cx="10515600" cy="1080000"/>
           </a:xfrm>
         </p:spPr>
         <p:txBody>
@@ -1821,8 +2337,8 @@
         </p:nvSpPr>
         <p:spPr>
           <a:xfrm>
-            <a:off x="839788" y="1681163"/>
-            <a:ext cx="5157787" cy="823912"/>
+            <a:off x="839788" y="1080000"/>
+            <a:ext cx="5157787" cy="720000"/>
           </a:xfrm>
         </p:spPr>
         <p:txBody>
@@ -1886,13 +2402,29 @@
         </p:nvSpPr>
         <p:spPr>
           <a:xfrm>
-            <a:off x="839788" y="2505075"/>
-            <a:ext cx="5157787" cy="3684588"/>
+            <a:off x="839788" y="1800000"/>
+            <a:ext cx="5157787" cy="4389663"/>
           </a:xfrm>
         </p:spPr>
         <p:txBody>
           <a:bodyPr/>
-          <a:lstStyle/>
+          <a:lstStyle>
+            <a:lvl1pPr>
+              <a:defRPr sz="2000"/>
+            </a:lvl1pPr>
+            <a:lvl2pPr>
+              <a:defRPr sz="1800"/>
+            </a:lvl2pPr>
+            <a:lvl3pPr>
+              <a:defRPr sz="1600"/>
+            </a:lvl3pPr>
+            <a:lvl4pPr>
+              <a:defRPr sz="1400"/>
+            </a:lvl4pPr>
+            <a:lvl5pPr>
+              <a:defRPr sz="1200"/>
+            </a:lvl5pPr>
+          </a:lstStyle>
           <a:p>
             <a:pPr lvl="0"/>
             <a:r>
@@ -1927,7 +2459,7 @@
               <a:rPr lang="de-DE" smtClean="0"/>
               <a:t>Fünfte Ebene</a:t>
             </a:r>
-            <a:endParaRPr lang="de-AT"/>
+            <a:endParaRPr lang="de-AT" dirty="0"/>
           </a:p>
         </p:txBody>
       </p:sp>
@@ -1943,8 +2475,8 @@
         </p:nvSpPr>
         <p:spPr>
           <a:xfrm>
-            <a:off x="6172200" y="1681163"/>
-            <a:ext cx="5183188" cy="823912"/>
+            <a:off x="6172200" y="1080000"/>
+            <a:ext cx="5183188" cy="720000"/>
           </a:xfrm>
         </p:spPr>
         <p:txBody>
@@ -2008,13 +2540,31 @@
         </p:nvSpPr>
         <p:spPr>
           <a:xfrm>
-            <a:off x="6172200" y="2505075"/>
-            <a:ext cx="5183188" cy="3684588"/>
+            <a:off x="6172200" y="1800000"/>
+            <a:ext cx="5183188" cy="4389663"/>
           </a:xfrm>
         </p:spPr>
         <p:txBody>
-          <a:bodyPr/>
-          <a:lstStyle/>
+          <a:bodyPr>
+            <a:normAutofit/>
+          </a:bodyPr>
+          <a:lstStyle>
+            <a:lvl1pPr>
+              <a:defRPr sz="2000"/>
+            </a:lvl1pPr>
+            <a:lvl2pPr>
+              <a:defRPr sz="1800"/>
+            </a:lvl2pPr>
+            <a:lvl3pPr>
+              <a:defRPr sz="1600"/>
+            </a:lvl3pPr>
+            <a:lvl4pPr>
+              <a:defRPr sz="1400"/>
+            </a:lvl4pPr>
+            <a:lvl5pPr>
+              <a:defRPr sz="1200"/>
+            </a:lvl5pPr>
+          </a:lstStyle>
           <a:p>
             <a:pPr lvl="0"/>
             <a:r>
@@ -2049,7 +2599,7 @@
               <a:rPr lang="de-DE" smtClean="0"/>
               <a:t>Fünfte Ebene</a:t>
             </a:r>
-            <a:endParaRPr lang="de-AT"/>
+            <a:endParaRPr lang="de-AT" dirty="0"/>
           </a:p>
         </p:txBody>
       </p:sp>
@@ -2125,7 +2675,7 @@
     </p:spTree>
     <p:extLst>
       <p:ext uri="{BB962C8B-B14F-4D97-AF65-F5344CB8AC3E}">
-        <p14:creationId xmlns:p14="http://schemas.microsoft.com/office/powerpoint/2010/main" val="2078612379"/>
+        <p14:creationId xmlns:p14="http://schemas.microsoft.com/office/powerpoint/2010/main" val="3640444979"/>
       </p:ext>
     </p:extLst>
   </p:cSld>
@@ -2135,7 +2685,7 @@
 </p:sldLayout>
 </file>
 
-<file path=ppt/slideLayouts/slideLayout6.xml><?xml version="1.0" encoding="utf-8"?>
+<file path=ppt/slideLayouts/slideLayout7.xml><?xml version="1.0" encoding="utf-8"?>
 <p:sldLayout xmlns:a="http://schemas.openxmlformats.org/drawingml/2006/main" xmlns:r="http://schemas.openxmlformats.org/officeDocument/2006/relationships" xmlns:p="http://schemas.openxmlformats.org/presentationml/2006/main" type="titleOnly" preserve="1">
   <p:cSld name="Nur Titel">
     <p:spTree>
@@ -2162,7 +2712,12 @@
             <p:ph type="title"/>
           </p:nvPr>
         </p:nvSpPr>
-        <p:spPr/>
+        <p:spPr>
+          <a:xfrm>
+            <a:off x="838200" y="0"/>
+            <a:ext cx="10515600" cy="1080000"/>
+          </a:xfrm>
+        </p:spPr>
         <p:txBody>
           <a:bodyPr/>
           <a:lstStyle/>
@@ -2247,7 +2802,7 @@
     </p:spTree>
     <p:extLst>
       <p:ext uri="{BB962C8B-B14F-4D97-AF65-F5344CB8AC3E}">
-        <p14:creationId xmlns:p14="http://schemas.microsoft.com/office/powerpoint/2010/main" val="2005538567"/>
+        <p14:creationId xmlns:p14="http://schemas.microsoft.com/office/powerpoint/2010/main" val="2909035789"/>
       </p:ext>
     </p:extLst>
   </p:cSld>
@@ -2257,7 +2812,7 @@
 </p:sldLayout>
 </file>
 
-<file path=ppt/slideLayouts/slideLayout7.xml><?xml version="1.0" encoding="utf-8"?>
+<file path=ppt/slideLayouts/slideLayout8.xml><?xml version="1.0" encoding="utf-8"?>
 <p:sldLayout xmlns:a="http://schemas.openxmlformats.org/drawingml/2006/main" xmlns:r="http://schemas.openxmlformats.org/officeDocument/2006/relationships" xmlns:p="http://schemas.openxmlformats.org/presentationml/2006/main" type="blank" preserve="1">
   <p:cSld name="Leer">
     <p:spTree>
@@ -2346,7 +2901,7 @@
     </p:spTree>
     <p:extLst>
       <p:ext uri="{BB962C8B-B14F-4D97-AF65-F5344CB8AC3E}">
-        <p14:creationId xmlns:p14="http://schemas.microsoft.com/office/powerpoint/2010/main" val="1654609536"/>
+        <p14:creationId xmlns:p14="http://schemas.microsoft.com/office/powerpoint/2010/main" val="3762482451"/>
       </p:ext>
     </p:extLst>
   </p:cSld>
@@ -2356,7 +2911,7 @@
 </p:sldLayout>
 </file>
 
-<file path=ppt/slideLayouts/slideLayout8.xml><?xml version="1.0" encoding="utf-8"?>
+<file path=ppt/slideLayouts/slideLayout9.xml><?xml version="1.0" encoding="utf-8"?>
 <p:sldLayout xmlns:a="http://schemas.openxmlformats.org/drawingml/2006/main" xmlns:r="http://schemas.openxmlformats.org/officeDocument/2006/relationships" xmlns:p="http://schemas.openxmlformats.org/presentationml/2006/main" type="objTx" preserve="1">
   <p:cSld name="Inhalt mit Überschrift">
     <p:spTree>
@@ -2627,264 +3182,7 @@
     </p:spTree>
     <p:extLst>
       <p:ext uri="{BB962C8B-B14F-4D97-AF65-F5344CB8AC3E}">
-        <p14:creationId xmlns:p14="http://schemas.microsoft.com/office/powerpoint/2010/main" val="2437971437"/>
-      </p:ext>
-    </p:extLst>
-  </p:cSld>
-  <p:clrMapOvr>
-    <a:masterClrMapping/>
-  </p:clrMapOvr>
-</p:sldLayout>
-</file>
-
-<file path=ppt/slideLayouts/slideLayout9.xml><?xml version="1.0" encoding="utf-8"?>
-<p:sldLayout xmlns:a="http://schemas.openxmlformats.org/drawingml/2006/main" xmlns:r="http://schemas.openxmlformats.org/officeDocument/2006/relationships" xmlns:p="http://schemas.openxmlformats.org/presentationml/2006/main" type="picTx" preserve="1">
-  <p:cSld name="Bild mit Überschrift">
-    <p:spTree>
-      <p:nvGrpSpPr>
-        <p:cNvPr id="1" name=""/>
-        <p:cNvGrpSpPr/>
-        <p:nvPr/>
-      </p:nvGrpSpPr>
-      <p:grpSpPr>
-        <a:xfrm>
-          <a:off x="0" y="0"/>
-          <a:ext cx="0" cy="0"/>
-          <a:chOff x="0" y="0"/>
-          <a:chExt cx="0" cy="0"/>
-        </a:xfrm>
-      </p:grpSpPr>
-      <p:sp>
-        <p:nvSpPr>
-          <p:cNvPr id="2" name="Titel 1"/>
-          <p:cNvSpPr>
-            <a:spLocks noGrp="1"/>
-          </p:cNvSpPr>
-          <p:nvPr>
-            <p:ph type="title"/>
-          </p:nvPr>
-        </p:nvSpPr>
-        <p:spPr>
-          <a:xfrm>
-            <a:off x="839788" y="457200"/>
-            <a:ext cx="3932237" cy="1600200"/>
-          </a:xfrm>
-        </p:spPr>
-        <p:txBody>
-          <a:bodyPr anchor="b"/>
-          <a:lstStyle>
-            <a:lvl1pPr>
-              <a:defRPr sz="3200"/>
-            </a:lvl1pPr>
-          </a:lstStyle>
-          <a:p>
-            <a:r>
-              <a:rPr lang="de-DE" smtClean="0"/>
-              <a:t>Titelmasterformat durch Klicken bearbeiten</a:t>
-            </a:r>
-            <a:endParaRPr lang="de-AT"/>
-          </a:p>
-        </p:txBody>
-      </p:sp>
-      <p:sp>
-        <p:nvSpPr>
-          <p:cNvPr id="3" name="Bildplatzhalter 2"/>
-          <p:cNvSpPr>
-            <a:spLocks noGrp="1"/>
-          </p:cNvSpPr>
-          <p:nvPr>
-            <p:ph type="pic" idx="1"/>
-          </p:nvPr>
-        </p:nvSpPr>
-        <p:spPr>
-          <a:xfrm>
-            <a:off x="5183188" y="987425"/>
-            <a:ext cx="6172200" cy="4873625"/>
-          </a:xfrm>
-        </p:spPr>
-        <p:txBody>
-          <a:bodyPr/>
-          <a:lstStyle>
-            <a:lvl1pPr marL="0" indent="0">
-              <a:buNone/>
-              <a:defRPr sz="3200"/>
-            </a:lvl1pPr>
-            <a:lvl2pPr marL="457200" indent="0">
-              <a:buNone/>
-              <a:defRPr sz="2800"/>
-            </a:lvl2pPr>
-            <a:lvl3pPr marL="914400" indent="0">
-              <a:buNone/>
-              <a:defRPr sz="2400"/>
-            </a:lvl3pPr>
-            <a:lvl4pPr marL="1371600" indent="0">
-              <a:buNone/>
-              <a:defRPr sz="2000"/>
-            </a:lvl4pPr>
-            <a:lvl5pPr marL="1828800" indent="0">
-              <a:buNone/>
-              <a:defRPr sz="2000"/>
-            </a:lvl5pPr>
-            <a:lvl6pPr marL="2286000" indent="0">
-              <a:buNone/>
-              <a:defRPr sz="2000"/>
-            </a:lvl6pPr>
-            <a:lvl7pPr marL="2743200" indent="0">
-              <a:buNone/>
-              <a:defRPr sz="2000"/>
-            </a:lvl7pPr>
-            <a:lvl8pPr marL="3200400" indent="0">
-              <a:buNone/>
-              <a:defRPr sz="2000"/>
-            </a:lvl8pPr>
-            <a:lvl9pPr marL="3657600" indent="0">
-              <a:buNone/>
-              <a:defRPr sz="2000"/>
-            </a:lvl9pPr>
-          </a:lstStyle>
-          <a:p>
-            <a:endParaRPr lang="de-AT"/>
-          </a:p>
-        </p:txBody>
-      </p:sp>
-      <p:sp>
-        <p:nvSpPr>
-          <p:cNvPr id="4" name="Textplatzhalter 3"/>
-          <p:cNvSpPr>
-            <a:spLocks noGrp="1"/>
-          </p:cNvSpPr>
-          <p:nvPr>
-            <p:ph type="body" sz="half" idx="2"/>
-          </p:nvPr>
-        </p:nvSpPr>
-        <p:spPr>
-          <a:xfrm>
-            <a:off x="839788" y="2057400"/>
-            <a:ext cx="3932237" cy="3811588"/>
-          </a:xfrm>
-        </p:spPr>
-        <p:txBody>
-          <a:bodyPr/>
-          <a:lstStyle>
-            <a:lvl1pPr marL="0" indent="0">
-              <a:buNone/>
-              <a:defRPr sz="1600"/>
-            </a:lvl1pPr>
-            <a:lvl2pPr marL="457200" indent="0">
-              <a:buNone/>
-              <a:defRPr sz="1400"/>
-            </a:lvl2pPr>
-            <a:lvl3pPr marL="914400" indent="0">
-              <a:buNone/>
-              <a:defRPr sz="1200"/>
-            </a:lvl3pPr>
-            <a:lvl4pPr marL="1371600" indent="0">
-              <a:buNone/>
-              <a:defRPr sz="1000"/>
-            </a:lvl4pPr>
-            <a:lvl5pPr marL="1828800" indent="0">
-              <a:buNone/>
-              <a:defRPr sz="1000"/>
-            </a:lvl5pPr>
-            <a:lvl6pPr marL="2286000" indent="0">
-              <a:buNone/>
-              <a:defRPr sz="1000"/>
-            </a:lvl6pPr>
-            <a:lvl7pPr marL="2743200" indent="0">
-              <a:buNone/>
-              <a:defRPr sz="1000"/>
-            </a:lvl7pPr>
-            <a:lvl8pPr marL="3200400" indent="0">
-              <a:buNone/>
-              <a:defRPr sz="1000"/>
-            </a:lvl8pPr>
-            <a:lvl9pPr marL="3657600" indent="0">
-              <a:buNone/>
-              <a:defRPr sz="1000"/>
-            </a:lvl9pPr>
-          </a:lstStyle>
-          <a:p>
-            <a:pPr lvl="0"/>
-            <a:r>
-              <a:rPr lang="de-DE" smtClean="0"/>
-              <a:t>Textmasterformat bearbeiten</a:t>
-            </a:r>
-          </a:p>
-        </p:txBody>
-      </p:sp>
-      <p:sp>
-        <p:nvSpPr>
-          <p:cNvPr id="5" name="Datumsplatzhalter 4"/>
-          <p:cNvSpPr>
-            <a:spLocks noGrp="1"/>
-          </p:cNvSpPr>
-          <p:nvPr>
-            <p:ph type="dt" sz="half" idx="10"/>
-          </p:nvPr>
-        </p:nvSpPr>
-        <p:spPr/>
-        <p:txBody>
-          <a:bodyPr/>
-          <a:lstStyle/>
-          <a:p>
-            <a:r>
-              <a:rPr lang="de-DE" smtClean="0"/>
-              <a:t>09.2014</a:t>
-            </a:r>
-            <a:endParaRPr lang="de-AT"/>
-          </a:p>
-        </p:txBody>
-      </p:sp>
-      <p:sp>
-        <p:nvSpPr>
-          <p:cNvPr id="6" name="Fußzeilenplatzhalter 5"/>
-          <p:cNvSpPr>
-            <a:spLocks noGrp="1"/>
-          </p:cNvSpPr>
-          <p:nvPr>
-            <p:ph type="ftr" sz="quarter" idx="11"/>
-          </p:nvPr>
-        </p:nvSpPr>
-        <p:spPr/>
-        <p:txBody>
-          <a:bodyPr/>
-          <a:lstStyle/>
-          <a:p>
-            <a:r>
-              <a:rPr lang="de-AT" smtClean="0"/>
-              <a:t>ssteinkellner, mkritzl, serceg</a:t>
-            </a:r>
-            <a:endParaRPr lang="de-AT"/>
-          </a:p>
-        </p:txBody>
-      </p:sp>
-      <p:sp>
-        <p:nvSpPr>
-          <p:cNvPr id="7" name="Foliennummernplatzhalter 6"/>
-          <p:cNvSpPr>
-            <a:spLocks noGrp="1"/>
-          </p:cNvSpPr>
-          <p:nvPr>
-            <p:ph type="sldNum" sz="quarter" idx="12"/>
-          </p:nvPr>
-        </p:nvSpPr>
-        <p:spPr/>
-        <p:txBody>
-          <a:bodyPr/>
-          <a:lstStyle/>
-          <a:p>
-            <a:fld id="{E06C52FA-FC0A-44F6-9706-AF66C8F44DCF}" type="slidenum">
-              <a:rPr lang="de-AT" smtClean="0"/>
-              <a:t>‹Nr.›</a:t>
-            </a:fld>
-            <a:endParaRPr lang="de-AT"/>
-          </a:p>
-        </p:txBody>
-      </p:sp>
-    </p:spTree>
-    <p:extLst>
-      <p:ext uri="{BB962C8B-B14F-4D97-AF65-F5344CB8AC3E}">
-        <p14:creationId xmlns:p14="http://schemas.microsoft.com/office/powerpoint/2010/main" val="37361454"/>
+        <p14:creationId xmlns:p14="http://schemas.microsoft.com/office/powerpoint/2010/main" val="1963679837"/>
       </p:ext>
     </p:extLst>
   </p:cSld>
@@ -3137,23 +3435,24 @@
     </p:spTree>
     <p:extLst>
       <p:ext uri="{BB962C8B-B14F-4D97-AF65-F5344CB8AC3E}">
-        <p14:creationId xmlns:p14="http://schemas.microsoft.com/office/powerpoint/2010/main" val="3298566643"/>
+        <p14:creationId xmlns:p14="http://schemas.microsoft.com/office/powerpoint/2010/main" val="786423745"/>
       </p:ext>
     </p:extLst>
   </p:cSld>
   <p:clrMap bg1="lt1" tx1="dk1" bg2="lt2" tx2="dk2" accent1="accent1" accent2="accent2" accent3="accent3" accent4="accent4" accent5="accent5" accent6="accent6" hlink="hlink" folHlink="folHlink"/>
   <p:sldLayoutIdLst>
-    <p:sldLayoutId id="2147483649" r:id="rId1"/>
-    <p:sldLayoutId id="2147483650" r:id="rId2"/>
-    <p:sldLayoutId id="2147483651" r:id="rId3"/>
-    <p:sldLayoutId id="2147483652" r:id="rId4"/>
-    <p:sldLayoutId id="2147483653" r:id="rId5"/>
-    <p:sldLayoutId id="2147483654" r:id="rId6"/>
-    <p:sldLayoutId id="2147483655" r:id="rId7"/>
-    <p:sldLayoutId id="2147483656" r:id="rId8"/>
-    <p:sldLayoutId id="2147483657" r:id="rId9"/>
-    <p:sldLayoutId id="2147483658" r:id="rId10"/>
-    <p:sldLayoutId id="2147483659" r:id="rId11"/>
+    <p:sldLayoutId id="2147483661" r:id="rId1"/>
+    <p:sldLayoutId id="2147483662" r:id="rId2"/>
+    <p:sldLayoutId id="2147483663" r:id="rId3"/>
+    <p:sldLayoutId id="2147483664" r:id="rId4"/>
+    <p:sldLayoutId id="2147483665" r:id="rId5"/>
+    <p:sldLayoutId id="2147483666" r:id="rId6"/>
+    <p:sldLayoutId id="2147483667" r:id="rId7"/>
+    <p:sldLayoutId id="2147483668" r:id="rId8"/>
+    <p:sldLayoutId id="2147483669" r:id="rId9"/>
+    <p:sldLayoutId id="2147483670" r:id="rId10"/>
+    <p:sldLayoutId id="2147483671" r:id="rId11"/>
+    <p:sldLayoutId id="2147483672" r:id="rId12"/>
   </p:sldLayoutIdLst>
   <p:hf hdr="0"/>
   <p:txStyles>
@@ -3569,12 +3868,7 @@
             <p:ph type="title"/>
           </p:nvPr>
         </p:nvSpPr>
-        <p:spPr>
-          <a:xfrm>
-            <a:off x="838200" y="1"/>
-            <a:ext cx="10515600" cy="914400"/>
-          </a:xfrm>
-        </p:spPr>
+        <p:spPr/>
         <p:txBody>
           <a:bodyPr/>
           <a:lstStyle/>
@@ -3597,12 +3891,7 @@
             <p:ph idx="1"/>
           </p:nvPr>
         </p:nvSpPr>
-        <p:spPr>
-          <a:xfrm>
-            <a:off x="838200" y="914401"/>
-            <a:ext cx="10515600" cy="682579"/>
-          </a:xfrm>
-        </p:spPr>
+        <p:spPr/>
         <p:txBody>
           <a:bodyPr>
             <a:normAutofit/>
@@ -3614,6 +3903,75 @@
               <a:t>wir haben eine liste erstellt, um einzutragen, was zu tun ist und wer welches wissen schon besitzt, bzw. welchen Teil der Aufgabe erfüllen kann</a:t>
             </a:r>
             <a:endParaRPr lang="de-AT" sz="1800" dirty="0"/>
+          </a:p>
+        </p:txBody>
+      </p:sp>
+      <p:sp>
+        <p:nvSpPr>
+          <p:cNvPr id="7" name="Datumsplatzhalter 6"/>
+          <p:cNvSpPr>
+            <a:spLocks noGrp="1"/>
+          </p:cNvSpPr>
+          <p:nvPr>
+            <p:ph type="dt" sz="half" idx="10"/>
+          </p:nvPr>
+        </p:nvSpPr>
+        <p:spPr/>
+        <p:txBody>
+          <a:bodyPr/>
+          <a:lstStyle/>
+          <a:p>
+            <a:r>
+              <a:rPr lang="de-DE" smtClean="0"/>
+              <a:t>09.2014</a:t>
+            </a:r>
+            <a:endParaRPr lang="de-AT"/>
+          </a:p>
+        </p:txBody>
+      </p:sp>
+      <p:sp>
+        <p:nvSpPr>
+          <p:cNvPr id="8" name="Fußzeilenplatzhalter 7"/>
+          <p:cNvSpPr>
+            <a:spLocks noGrp="1"/>
+          </p:cNvSpPr>
+          <p:nvPr>
+            <p:ph type="ftr" sz="quarter" idx="11"/>
+          </p:nvPr>
+        </p:nvSpPr>
+        <p:spPr/>
+        <p:txBody>
+          <a:bodyPr/>
+          <a:lstStyle/>
+          <a:p>
+            <a:r>
+              <a:rPr lang="de-AT" smtClean="0"/>
+              <a:t>ssteinkellner, mkritzl, serceg</a:t>
+            </a:r>
+            <a:endParaRPr lang="de-AT"/>
+          </a:p>
+        </p:txBody>
+      </p:sp>
+      <p:sp>
+        <p:nvSpPr>
+          <p:cNvPr id="9" name="Foliennummernplatzhalter 8"/>
+          <p:cNvSpPr>
+            <a:spLocks noGrp="1"/>
+          </p:cNvSpPr>
+          <p:nvPr>
+            <p:ph type="sldNum" sz="quarter" idx="12"/>
+          </p:nvPr>
+        </p:nvSpPr>
+        <p:spPr/>
+        <p:txBody>
+          <a:bodyPr/>
+          <a:lstStyle/>
+          <a:p>
+            <a:fld id="{E06C52FA-FC0A-44F6-9706-AF66C8F44DCF}" type="slidenum">
+              <a:rPr lang="de-AT" smtClean="0"/>
+              <a:t>2</a:t>
+            </a:fld>
+            <a:endParaRPr lang="de-AT"/>
           </a:p>
         </p:txBody>
       </p:sp>
@@ -3626,13 +3984,13 @@
           <p:nvPr>
             <p:extLst>
               <p:ext uri="{D42A27DB-BD31-4B8C-83A1-F6EECF244321}">
-                <p14:modId xmlns:p14="http://schemas.microsoft.com/office/powerpoint/2010/main" val="2266591231"/>
+                <p14:modId xmlns:p14="http://schemas.microsoft.com/office/powerpoint/2010/main" val="2851600096"/>
               </p:ext>
             </p:extLst>
           </p:nvPr>
         </p:nvGraphicFramePr>
         <p:xfrm>
-          <a:off x="838200" y="1596980"/>
+          <a:off x="838200" y="1733457"/>
           <a:ext cx="10515599" cy="3337560"/>
         </p:xfrm>
         <a:graphic>
@@ -5580,75 +5938,6 @@
           </a:p>
         </p:txBody>
       </p:sp>
-      <p:sp>
-        <p:nvSpPr>
-          <p:cNvPr id="7" name="Datumsplatzhalter 6"/>
-          <p:cNvSpPr>
-            <a:spLocks noGrp="1"/>
-          </p:cNvSpPr>
-          <p:nvPr>
-            <p:ph type="dt" sz="half" idx="10"/>
-          </p:nvPr>
-        </p:nvSpPr>
-        <p:spPr/>
-        <p:txBody>
-          <a:bodyPr/>
-          <a:lstStyle/>
-          <a:p>
-            <a:r>
-              <a:rPr lang="de-DE" smtClean="0"/>
-              <a:t>09.2014</a:t>
-            </a:r>
-            <a:endParaRPr lang="de-AT"/>
-          </a:p>
-        </p:txBody>
-      </p:sp>
-      <p:sp>
-        <p:nvSpPr>
-          <p:cNvPr id="8" name="Fußzeilenplatzhalter 7"/>
-          <p:cNvSpPr>
-            <a:spLocks noGrp="1"/>
-          </p:cNvSpPr>
-          <p:nvPr>
-            <p:ph type="ftr" sz="quarter" idx="11"/>
-          </p:nvPr>
-        </p:nvSpPr>
-        <p:spPr/>
-        <p:txBody>
-          <a:bodyPr/>
-          <a:lstStyle/>
-          <a:p>
-            <a:r>
-              <a:rPr lang="de-AT" smtClean="0"/>
-              <a:t>ssteinkellner, mkritzl, serceg</a:t>
-            </a:r>
-            <a:endParaRPr lang="de-AT"/>
-          </a:p>
-        </p:txBody>
-      </p:sp>
-      <p:sp>
-        <p:nvSpPr>
-          <p:cNvPr id="9" name="Foliennummernplatzhalter 8"/>
-          <p:cNvSpPr>
-            <a:spLocks noGrp="1"/>
-          </p:cNvSpPr>
-          <p:nvPr>
-            <p:ph type="sldNum" sz="quarter" idx="12"/>
-          </p:nvPr>
-        </p:nvSpPr>
-        <p:spPr/>
-        <p:txBody>
-          <a:bodyPr/>
-          <a:lstStyle/>
-          <a:p>
-            <a:fld id="{E06C52FA-FC0A-44F6-9706-AF66C8F44DCF}" type="slidenum">
-              <a:rPr lang="de-AT" smtClean="0"/>
-              <a:t>2</a:t>
-            </a:fld>
-            <a:endParaRPr lang="de-AT"/>
-          </a:p>
-        </p:txBody>
-      </p:sp>
     </p:spTree>
     <p:extLst>
       <p:ext uri="{BB962C8B-B14F-4D97-AF65-F5344CB8AC3E}">
@@ -5669,8 +5958,2401 @@
 </p:sld>
 </file>
 
+<file path=ppt/slides/slide3.xml><?xml version="1.0" encoding="utf-8"?>
+<p:sld xmlns:a="http://schemas.openxmlformats.org/drawingml/2006/main" xmlns:r="http://schemas.openxmlformats.org/officeDocument/2006/relationships" xmlns:p="http://schemas.openxmlformats.org/presentationml/2006/main">
+  <p:cSld>
+    <p:spTree>
+      <p:nvGrpSpPr>
+        <p:cNvPr id="1" name=""/>
+        <p:cNvGrpSpPr/>
+        <p:nvPr/>
+      </p:nvGrpSpPr>
+      <p:grpSpPr>
+        <a:xfrm>
+          <a:off x="0" y="0"/>
+          <a:ext cx="0" cy="0"/>
+          <a:chOff x="0" y="0"/>
+          <a:chExt cx="0" cy="0"/>
+        </a:xfrm>
+      </p:grpSpPr>
+      <p:sp>
+        <p:nvSpPr>
+          <p:cNvPr id="2" name="Titel 1"/>
+          <p:cNvSpPr>
+            <a:spLocks noGrp="1"/>
+          </p:cNvSpPr>
+          <p:nvPr>
+            <p:ph type="title"/>
+          </p:nvPr>
+        </p:nvSpPr>
+        <p:spPr/>
+        <p:txBody>
+          <a:bodyPr/>
+          <a:lstStyle/>
+          <a:p>
+            <a:r>
+              <a:rPr lang="de-AT" dirty="0" smtClean="0"/>
+              <a:t>code-aufteilung</a:t>
+            </a:r>
+            <a:endParaRPr lang="de-AT" dirty="0"/>
+          </a:p>
+        </p:txBody>
+      </p:sp>
+      <p:sp>
+        <p:nvSpPr>
+          <p:cNvPr id="4" name="Datumsplatzhalter 3"/>
+          <p:cNvSpPr>
+            <a:spLocks noGrp="1"/>
+          </p:cNvSpPr>
+          <p:nvPr>
+            <p:ph type="dt" sz="half" idx="10"/>
+          </p:nvPr>
+        </p:nvSpPr>
+        <p:spPr/>
+        <p:txBody>
+          <a:bodyPr/>
+          <a:lstStyle/>
+          <a:p>
+            <a:r>
+              <a:rPr lang="de-DE" smtClean="0"/>
+              <a:t>09.2014</a:t>
+            </a:r>
+            <a:endParaRPr lang="de-AT"/>
+          </a:p>
+        </p:txBody>
+      </p:sp>
+      <p:sp>
+        <p:nvSpPr>
+          <p:cNvPr id="5" name="Fußzeilenplatzhalter 4"/>
+          <p:cNvSpPr>
+            <a:spLocks noGrp="1"/>
+          </p:cNvSpPr>
+          <p:nvPr>
+            <p:ph type="ftr" sz="quarter" idx="11"/>
+          </p:nvPr>
+        </p:nvSpPr>
+        <p:spPr/>
+        <p:txBody>
+          <a:bodyPr/>
+          <a:lstStyle/>
+          <a:p>
+            <a:r>
+              <a:rPr lang="de-AT" smtClean="0"/>
+              <a:t>ssteinkellner, mkritzl, serceg</a:t>
+            </a:r>
+            <a:endParaRPr lang="de-AT"/>
+          </a:p>
+        </p:txBody>
+      </p:sp>
+      <p:sp>
+        <p:nvSpPr>
+          <p:cNvPr id="6" name="Foliennummernplatzhalter 5"/>
+          <p:cNvSpPr>
+            <a:spLocks noGrp="1"/>
+          </p:cNvSpPr>
+          <p:nvPr>
+            <p:ph type="sldNum" sz="quarter" idx="12"/>
+          </p:nvPr>
+        </p:nvSpPr>
+        <p:spPr/>
+        <p:txBody>
+          <a:bodyPr/>
+          <a:lstStyle/>
+          <a:p>
+            <a:fld id="{E06C52FA-FC0A-44F6-9706-AF66C8F44DCF}" type="slidenum">
+              <a:rPr lang="de-AT" smtClean="0"/>
+              <a:t>3</a:t>
+            </a:fld>
+            <a:endParaRPr lang="de-AT"/>
+          </a:p>
+        </p:txBody>
+      </p:sp>
+      <p:graphicFrame>
+        <p:nvGraphicFramePr>
+          <p:cNvPr id="7" name="Tabelle 6"/>
+          <p:cNvGraphicFramePr>
+            <a:graphicFrameLocks noGrp="1"/>
+          </p:cNvGraphicFramePr>
+          <p:nvPr>
+            <p:extLst>
+              <p:ext uri="{D42A27DB-BD31-4B8C-83A1-F6EECF244321}">
+                <p14:modId xmlns:p14="http://schemas.microsoft.com/office/powerpoint/2010/main" val="1377397483"/>
+              </p:ext>
+            </p:extLst>
+          </p:nvPr>
+        </p:nvGraphicFramePr>
+        <p:xfrm>
+          <a:off x="838200" y="894731"/>
+          <a:ext cx="10515599" cy="4079240"/>
+        </p:xfrm>
+        <a:graphic>
+          <a:graphicData uri="http://schemas.openxmlformats.org/drawingml/2006/table">
+            <a:tbl>
+              <a:tblPr firstRow="1" bandRow="1">
+                <a:tableStyleId>{2A488322-F2BA-4B5B-9748-0D474271808F}</a:tableStyleId>
+              </a:tblPr>
+              <a:tblGrid>
+                <a:gridCol w="6283817"/>
+                <a:gridCol w="1410594"/>
+                <a:gridCol w="1410594"/>
+                <a:gridCol w="1410594"/>
+              </a:tblGrid>
+              <a:tr h="370840">
+                <a:tc>
+                  <a:txBody>
+                    <a:bodyPr/>
+                    <a:lstStyle/>
+                    <a:p>
+                      <a:r>
+                        <a:rPr lang="de-AT" baseline="0" dirty="0" smtClean="0"/>
+                        <a:t>Klasse</a:t>
+                      </a:r>
+                      <a:endParaRPr lang="de-AT" baseline="0" dirty="0"/>
+                    </a:p>
+                  </a:txBody>
+                  <a:tcPr>
+                    <a:lnL w="12700" cap="flat" cmpd="sng" algn="ctr">
+                      <a:solidFill>
+                        <a:schemeClr val="tx1"/>
+                      </a:solidFill>
+                      <a:prstDash val="solid"/>
+                      <a:round/>
+                      <a:headEnd type="none" w="med" len="med"/>
+                      <a:tailEnd type="none" w="med" len="med"/>
+                    </a:lnL>
+                    <a:lnR w="12700" cap="flat" cmpd="sng" algn="ctr">
+                      <a:solidFill>
+                        <a:schemeClr val="tx1"/>
+                      </a:solidFill>
+                      <a:prstDash val="solid"/>
+                      <a:round/>
+                      <a:headEnd type="none" w="med" len="med"/>
+                      <a:tailEnd type="none" w="med" len="med"/>
+                    </a:lnR>
+                    <a:lnT w="12700" cap="flat" cmpd="sng" algn="ctr">
+                      <a:solidFill>
+                        <a:schemeClr val="tx1"/>
+                      </a:solidFill>
+                      <a:prstDash val="solid"/>
+                      <a:round/>
+                      <a:headEnd type="none" w="med" len="med"/>
+                      <a:tailEnd type="none" w="med" len="med"/>
+                    </a:lnT>
+                    <a:lnB w="12700" cap="flat" cmpd="sng" algn="ctr">
+                      <a:solidFill>
+                        <a:schemeClr val="tx1"/>
+                      </a:solidFill>
+                      <a:prstDash val="solid"/>
+                      <a:round/>
+                      <a:headEnd type="none" w="med" len="med"/>
+                      <a:tailEnd type="none" w="med" len="med"/>
+                    </a:lnB>
+                  </a:tcPr>
+                </a:tc>
+                <a:tc>
+                  <a:txBody>
+                    <a:bodyPr/>
+                    <a:lstStyle/>
+                    <a:p>
+                      <a:r>
+                        <a:rPr lang="de-AT" baseline="0" dirty="0" smtClean="0"/>
+                        <a:t>Steinkellner</a:t>
+                      </a:r>
+                      <a:endParaRPr lang="de-AT" baseline="0" dirty="0"/>
+                    </a:p>
+                  </a:txBody>
+                  <a:tcPr>
+                    <a:lnL w="12700" cap="flat" cmpd="sng" algn="ctr">
+                      <a:solidFill>
+                        <a:schemeClr val="tx1"/>
+                      </a:solidFill>
+                      <a:prstDash val="solid"/>
+                      <a:round/>
+                      <a:headEnd type="none" w="med" len="med"/>
+                      <a:tailEnd type="none" w="med" len="med"/>
+                    </a:lnL>
+                    <a:lnR w="12700" cap="flat" cmpd="sng" algn="ctr">
+                      <a:solidFill>
+                        <a:schemeClr val="tx1"/>
+                      </a:solidFill>
+                      <a:prstDash val="solid"/>
+                      <a:round/>
+                      <a:headEnd type="none" w="med" len="med"/>
+                      <a:tailEnd type="none" w="med" len="med"/>
+                    </a:lnR>
+                    <a:lnT w="12700" cap="flat" cmpd="sng" algn="ctr">
+                      <a:solidFill>
+                        <a:schemeClr val="tx1"/>
+                      </a:solidFill>
+                      <a:prstDash val="solid"/>
+                      <a:round/>
+                      <a:headEnd type="none" w="med" len="med"/>
+                      <a:tailEnd type="none" w="med" len="med"/>
+                    </a:lnT>
+                    <a:lnB w="12700" cap="flat" cmpd="sng" algn="ctr">
+                      <a:solidFill>
+                        <a:schemeClr val="tx1"/>
+                      </a:solidFill>
+                      <a:prstDash val="solid"/>
+                      <a:round/>
+                      <a:headEnd type="none" w="med" len="med"/>
+                      <a:tailEnd type="none" w="med" len="med"/>
+                    </a:lnB>
+                  </a:tcPr>
+                </a:tc>
+                <a:tc>
+                  <a:txBody>
+                    <a:bodyPr/>
+                    <a:lstStyle/>
+                    <a:p>
+                      <a:r>
+                        <a:rPr lang="de-AT" baseline="0" dirty="0" err="1" smtClean="0"/>
+                        <a:t>Kritzl</a:t>
+                      </a:r>
+                      <a:endParaRPr lang="de-AT" baseline="0" dirty="0"/>
+                    </a:p>
+                  </a:txBody>
+                  <a:tcPr>
+                    <a:lnL w="12700" cap="flat" cmpd="sng" algn="ctr">
+                      <a:solidFill>
+                        <a:schemeClr val="tx1"/>
+                      </a:solidFill>
+                      <a:prstDash val="solid"/>
+                      <a:round/>
+                      <a:headEnd type="none" w="med" len="med"/>
+                      <a:tailEnd type="none" w="med" len="med"/>
+                    </a:lnL>
+                    <a:lnR w="12700" cap="flat" cmpd="sng" algn="ctr">
+                      <a:solidFill>
+                        <a:schemeClr val="tx1"/>
+                      </a:solidFill>
+                      <a:prstDash val="solid"/>
+                      <a:round/>
+                      <a:headEnd type="none" w="med" len="med"/>
+                      <a:tailEnd type="none" w="med" len="med"/>
+                    </a:lnR>
+                    <a:lnT w="12700" cap="flat" cmpd="sng" algn="ctr">
+                      <a:solidFill>
+                        <a:schemeClr val="tx1"/>
+                      </a:solidFill>
+                      <a:prstDash val="solid"/>
+                      <a:round/>
+                      <a:headEnd type="none" w="med" len="med"/>
+                      <a:tailEnd type="none" w="med" len="med"/>
+                    </a:lnT>
+                    <a:lnB w="12700" cap="flat" cmpd="sng" algn="ctr">
+                      <a:solidFill>
+                        <a:schemeClr val="tx1"/>
+                      </a:solidFill>
+                      <a:prstDash val="solid"/>
+                      <a:round/>
+                      <a:headEnd type="none" w="med" len="med"/>
+                      <a:tailEnd type="none" w="med" len="med"/>
+                    </a:lnB>
+                  </a:tcPr>
+                </a:tc>
+                <a:tc>
+                  <a:txBody>
+                    <a:bodyPr/>
+                    <a:lstStyle/>
+                    <a:p>
+                      <a:r>
+                        <a:rPr lang="de-AT" baseline="0" dirty="0" err="1" smtClean="0"/>
+                        <a:t>Erceg</a:t>
+                      </a:r>
+                      <a:endParaRPr lang="de-AT" baseline="0" dirty="0"/>
+                    </a:p>
+                  </a:txBody>
+                  <a:tcPr>
+                    <a:lnL w="12700" cap="flat" cmpd="sng" algn="ctr">
+                      <a:solidFill>
+                        <a:schemeClr val="tx1"/>
+                      </a:solidFill>
+                      <a:prstDash val="solid"/>
+                      <a:round/>
+                      <a:headEnd type="none" w="med" len="med"/>
+                      <a:tailEnd type="none" w="med" len="med"/>
+                    </a:lnL>
+                    <a:lnR w="12700" cap="flat" cmpd="sng" algn="ctr">
+                      <a:solidFill>
+                        <a:schemeClr val="tx1"/>
+                      </a:solidFill>
+                      <a:prstDash val="solid"/>
+                      <a:round/>
+                      <a:headEnd type="none" w="med" len="med"/>
+                      <a:tailEnd type="none" w="med" len="med"/>
+                    </a:lnR>
+                    <a:lnT w="12700" cap="flat" cmpd="sng" algn="ctr">
+                      <a:solidFill>
+                        <a:schemeClr val="tx1"/>
+                      </a:solidFill>
+                      <a:prstDash val="solid"/>
+                      <a:round/>
+                      <a:headEnd type="none" w="med" len="med"/>
+                      <a:tailEnd type="none" w="med" len="med"/>
+                    </a:lnT>
+                    <a:lnB w="12700" cap="flat" cmpd="sng" algn="ctr">
+                      <a:solidFill>
+                        <a:schemeClr val="tx1"/>
+                      </a:solidFill>
+                      <a:prstDash val="solid"/>
+                      <a:round/>
+                      <a:headEnd type="none" w="med" len="med"/>
+                      <a:tailEnd type="none" w="med" len="med"/>
+                    </a:lnB>
+                  </a:tcPr>
+                </a:tc>
+              </a:tr>
+              <a:tr h="370840">
+                <a:tc>
+                  <a:txBody>
+                    <a:bodyPr/>
+                    <a:lstStyle/>
+                    <a:p>
+                      <a:r>
+                        <a:rPr lang="de-AT" baseline="0" dirty="0" smtClean="0"/>
+                        <a:t>Simulation</a:t>
+                      </a:r>
+                      <a:endParaRPr lang="de-AT" baseline="0" dirty="0"/>
+                    </a:p>
+                  </a:txBody>
+                  <a:tcPr>
+                    <a:lnL w="12700" cap="flat" cmpd="sng" algn="ctr">
+                      <a:solidFill>
+                        <a:schemeClr val="tx1"/>
+                      </a:solidFill>
+                      <a:prstDash val="solid"/>
+                      <a:round/>
+                      <a:headEnd type="none" w="med" len="med"/>
+                      <a:tailEnd type="none" w="med" len="med"/>
+                    </a:lnL>
+                    <a:lnR w="12700" cap="flat" cmpd="sng" algn="ctr">
+                      <a:solidFill>
+                        <a:schemeClr val="tx1"/>
+                      </a:solidFill>
+                      <a:prstDash val="solid"/>
+                      <a:round/>
+                      <a:headEnd type="none" w="med" len="med"/>
+                      <a:tailEnd type="none" w="med" len="med"/>
+                    </a:lnR>
+                    <a:lnT w="12700" cap="flat" cmpd="sng" algn="ctr">
+                      <a:solidFill>
+                        <a:schemeClr val="tx1"/>
+                      </a:solidFill>
+                      <a:prstDash val="solid"/>
+                      <a:round/>
+                      <a:headEnd type="none" w="med" len="med"/>
+                      <a:tailEnd type="none" w="med" len="med"/>
+                    </a:lnT>
+                    <a:lnB w="12700" cap="flat" cmpd="sng" algn="ctr">
+                      <a:solidFill>
+                        <a:schemeClr val="tx1"/>
+                      </a:solidFill>
+                      <a:prstDash val="solid"/>
+                      <a:round/>
+                      <a:headEnd type="none" w="med" len="med"/>
+                      <a:tailEnd type="none" w="med" len="med"/>
+                    </a:lnB>
+                  </a:tcPr>
+                </a:tc>
+                <a:tc>
+                  <a:txBody>
+                    <a:bodyPr/>
+                    <a:lstStyle/>
+                    <a:p>
+                      <a:r>
+                        <a:rPr lang="de-AT" baseline="0" dirty="0" smtClean="0"/>
+                        <a:t>x</a:t>
+                      </a:r>
+                      <a:endParaRPr lang="de-AT" baseline="0" dirty="0"/>
+                    </a:p>
+                  </a:txBody>
+                  <a:tcPr>
+                    <a:lnL w="12700" cap="flat" cmpd="sng" algn="ctr">
+                      <a:solidFill>
+                        <a:schemeClr val="tx1"/>
+                      </a:solidFill>
+                      <a:prstDash val="solid"/>
+                      <a:round/>
+                      <a:headEnd type="none" w="med" len="med"/>
+                      <a:tailEnd type="none" w="med" len="med"/>
+                    </a:lnL>
+                    <a:lnR w="12700" cap="flat" cmpd="sng" algn="ctr">
+                      <a:solidFill>
+                        <a:schemeClr val="tx1"/>
+                      </a:solidFill>
+                      <a:prstDash val="solid"/>
+                      <a:round/>
+                      <a:headEnd type="none" w="med" len="med"/>
+                      <a:tailEnd type="none" w="med" len="med"/>
+                    </a:lnR>
+                    <a:lnT w="12700" cap="flat" cmpd="sng" algn="ctr">
+                      <a:solidFill>
+                        <a:schemeClr val="tx1"/>
+                      </a:solidFill>
+                      <a:prstDash val="solid"/>
+                      <a:round/>
+                      <a:headEnd type="none" w="med" len="med"/>
+                      <a:tailEnd type="none" w="med" len="med"/>
+                    </a:lnT>
+                    <a:lnB w="12700" cap="flat" cmpd="sng" algn="ctr">
+                      <a:solidFill>
+                        <a:schemeClr val="tx1"/>
+                      </a:solidFill>
+                      <a:prstDash val="solid"/>
+                      <a:round/>
+                      <a:headEnd type="none" w="med" len="med"/>
+                      <a:tailEnd type="none" w="med" len="med"/>
+                    </a:lnB>
+                  </a:tcPr>
+                </a:tc>
+                <a:tc>
+                  <a:txBody>
+                    <a:bodyPr/>
+                    <a:lstStyle/>
+                    <a:p>
+                      <a:endParaRPr lang="de-AT" baseline="0" dirty="0"/>
+                    </a:p>
+                  </a:txBody>
+                  <a:tcPr>
+                    <a:lnL w="12700" cap="flat" cmpd="sng" algn="ctr">
+                      <a:solidFill>
+                        <a:schemeClr val="tx1"/>
+                      </a:solidFill>
+                      <a:prstDash val="solid"/>
+                      <a:round/>
+                      <a:headEnd type="none" w="med" len="med"/>
+                      <a:tailEnd type="none" w="med" len="med"/>
+                    </a:lnL>
+                    <a:lnR w="12700" cap="flat" cmpd="sng" algn="ctr">
+                      <a:solidFill>
+                        <a:schemeClr val="tx1"/>
+                      </a:solidFill>
+                      <a:prstDash val="solid"/>
+                      <a:round/>
+                      <a:headEnd type="none" w="med" len="med"/>
+                      <a:tailEnd type="none" w="med" len="med"/>
+                    </a:lnR>
+                    <a:lnT w="12700" cap="flat" cmpd="sng" algn="ctr">
+                      <a:solidFill>
+                        <a:schemeClr val="tx1"/>
+                      </a:solidFill>
+                      <a:prstDash val="solid"/>
+                      <a:round/>
+                      <a:headEnd type="none" w="med" len="med"/>
+                      <a:tailEnd type="none" w="med" len="med"/>
+                    </a:lnT>
+                    <a:lnB w="12700" cap="flat" cmpd="sng" algn="ctr">
+                      <a:solidFill>
+                        <a:schemeClr val="tx1"/>
+                      </a:solidFill>
+                      <a:prstDash val="solid"/>
+                      <a:round/>
+                      <a:headEnd type="none" w="med" len="med"/>
+                      <a:tailEnd type="none" w="med" len="med"/>
+                    </a:lnB>
+                  </a:tcPr>
+                </a:tc>
+                <a:tc>
+                  <a:txBody>
+                    <a:bodyPr/>
+                    <a:lstStyle/>
+                    <a:p>
+                      <a:endParaRPr lang="de-AT" baseline="0" dirty="0"/>
+                    </a:p>
+                  </a:txBody>
+                  <a:tcPr>
+                    <a:lnL w="12700" cap="flat" cmpd="sng" algn="ctr">
+                      <a:solidFill>
+                        <a:schemeClr val="tx1"/>
+                      </a:solidFill>
+                      <a:prstDash val="solid"/>
+                      <a:round/>
+                      <a:headEnd type="none" w="med" len="med"/>
+                      <a:tailEnd type="none" w="med" len="med"/>
+                    </a:lnL>
+                    <a:lnR w="12700" cap="flat" cmpd="sng" algn="ctr">
+                      <a:solidFill>
+                        <a:schemeClr val="tx1"/>
+                      </a:solidFill>
+                      <a:prstDash val="solid"/>
+                      <a:round/>
+                      <a:headEnd type="none" w="med" len="med"/>
+                      <a:tailEnd type="none" w="med" len="med"/>
+                    </a:lnR>
+                    <a:lnT w="12700" cap="flat" cmpd="sng" algn="ctr">
+                      <a:solidFill>
+                        <a:schemeClr val="tx1"/>
+                      </a:solidFill>
+                      <a:prstDash val="solid"/>
+                      <a:round/>
+                      <a:headEnd type="none" w="med" len="med"/>
+                      <a:tailEnd type="none" w="med" len="med"/>
+                    </a:lnT>
+                    <a:lnB w="12700" cap="flat" cmpd="sng" algn="ctr">
+                      <a:solidFill>
+                        <a:schemeClr val="tx1"/>
+                      </a:solidFill>
+                      <a:prstDash val="solid"/>
+                      <a:round/>
+                      <a:headEnd type="none" w="med" len="med"/>
+                      <a:tailEnd type="none" w="med" len="med"/>
+                    </a:lnB>
+                  </a:tcPr>
+                </a:tc>
+              </a:tr>
+              <a:tr h="370840">
+                <a:tc>
+                  <a:txBody>
+                    <a:bodyPr/>
+                    <a:lstStyle/>
+                    <a:p>
+                      <a:pPr marL="0" marR="0" indent="0" algn="l" defTabSz="914400" rtl="0" eaLnBrk="1" fontAlgn="auto" latinLnBrk="0" hangingPunct="1">
+                        <a:lnSpc>
+                          <a:spcPct val="100000"/>
+                        </a:lnSpc>
+                        <a:spcBef>
+                          <a:spcPts val="0"/>
+                        </a:spcBef>
+                        <a:spcAft>
+                          <a:spcPts val="0"/>
+                        </a:spcAft>
+                        <a:buClrTx/>
+                        <a:buSzTx/>
+                        <a:buFontTx/>
+                        <a:buNone/>
+                        <a:tabLst/>
+                        <a:defRPr/>
+                      </a:pPr>
+                      <a:r>
+                        <a:rPr lang="de-AT" baseline="0" dirty="0" smtClean="0"/>
+                        <a:t>Sekretariat</a:t>
+                      </a:r>
+                      <a:endParaRPr lang="de-AT" baseline="0" dirty="0" smtClean="0"/>
+                    </a:p>
+                  </a:txBody>
+                  <a:tcPr>
+                    <a:lnL w="12700" cap="flat" cmpd="sng" algn="ctr">
+                      <a:solidFill>
+                        <a:schemeClr val="tx1"/>
+                      </a:solidFill>
+                      <a:prstDash val="solid"/>
+                      <a:round/>
+                      <a:headEnd type="none" w="med" len="med"/>
+                      <a:tailEnd type="none" w="med" len="med"/>
+                    </a:lnL>
+                    <a:lnR w="12700" cap="flat" cmpd="sng" algn="ctr">
+                      <a:solidFill>
+                        <a:schemeClr val="tx1"/>
+                      </a:solidFill>
+                      <a:prstDash val="solid"/>
+                      <a:round/>
+                      <a:headEnd type="none" w="med" len="med"/>
+                      <a:tailEnd type="none" w="med" len="med"/>
+                    </a:lnR>
+                    <a:lnT w="12700" cap="flat" cmpd="sng" algn="ctr">
+                      <a:solidFill>
+                        <a:schemeClr val="tx1"/>
+                      </a:solidFill>
+                      <a:prstDash val="solid"/>
+                      <a:round/>
+                      <a:headEnd type="none" w="med" len="med"/>
+                      <a:tailEnd type="none" w="med" len="med"/>
+                    </a:lnT>
+                    <a:lnB w="12700" cap="flat" cmpd="sng" algn="ctr">
+                      <a:solidFill>
+                        <a:schemeClr val="tx1"/>
+                      </a:solidFill>
+                      <a:prstDash val="solid"/>
+                      <a:round/>
+                      <a:headEnd type="none" w="med" len="med"/>
+                      <a:tailEnd type="none" w="med" len="med"/>
+                    </a:lnB>
+                  </a:tcPr>
+                </a:tc>
+                <a:tc>
+                  <a:txBody>
+                    <a:bodyPr/>
+                    <a:lstStyle/>
+                    <a:p>
+                      <a:r>
+                        <a:rPr lang="de-AT" baseline="0" dirty="0" smtClean="0"/>
+                        <a:t>x</a:t>
+                      </a:r>
+                      <a:endParaRPr lang="de-AT" baseline="0" dirty="0"/>
+                    </a:p>
+                  </a:txBody>
+                  <a:tcPr>
+                    <a:lnL w="12700" cap="flat" cmpd="sng" algn="ctr">
+                      <a:solidFill>
+                        <a:schemeClr val="tx1"/>
+                      </a:solidFill>
+                      <a:prstDash val="solid"/>
+                      <a:round/>
+                      <a:headEnd type="none" w="med" len="med"/>
+                      <a:tailEnd type="none" w="med" len="med"/>
+                    </a:lnL>
+                    <a:lnR w="12700" cap="flat" cmpd="sng" algn="ctr">
+                      <a:solidFill>
+                        <a:schemeClr val="tx1"/>
+                      </a:solidFill>
+                      <a:prstDash val="solid"/>
+                      <a:round/>
+                      <a:headEnd type="none" w="med" len="med"/>
+                      <a:tailEnd type="none" w="med" len="med"/>
+                    </a:lnR>
+                    <a:lnT w="12700" cap="flat" cmpd="sng" algn="ctr">
+                      <a:solidFill>
+                        <a:schemeClr val="tx1"/>
+                      </a:solidFill>
+                      <a:prstDash val="solid"/>
+                      <a:round/>
+                      <a:headEnd type="none" w="med" len="med"/>
+                      <a:tailEnd type="none" w="med" len="med"/>
+                    </a:lnT>
+                    <a:lnB w="12700" cap="flat" cmpd="sng" algn="ctr">
+                      <a:solidFill>
+                        <a:schemeClr val="tx1"/>
+                      </a:solidFill>
+                      <a:prstDash val="solid"/>
+                      <a:round/>
+                      <a:headEnd type="none" w="med" len="med"/>
+                      <a:tailEnd type="none" w="med" len="med"/>
+                    </a:lnB>
+                  </a:tcPr>
+                </a:tc>
+                <a:tc>
+                  <a:txBody>
+                    <a:bodyPr/>
+                    <a:lstStyle/>
+                    <a:p>
+                      <a:endParaRPr lang="de-AT" baseline="0" dirty="0"/>
+                    </a:p>
+                  </a:txBody>
+                  <a:tcPr>
+                    <a:lnL w="12700" cap="flat" cmpd="sng" algn="ctr">
+                      <a:solidFill>
+                        <a:schemeClr val="tx1"/>
+                      </a:solidFill>
+                      <a:prstDash val="solid"/>
+                      <a:round/>
+                      <a:headEnd type="none" w="med" len="med"/>
+                      <a:tailEnd type="none" w="med" len="med"/>
+                    </a:lnL>
+                    <a:lnR w="12700" cap="flat" cmpd="sng" algn="ctr">
+                      <a:solidFill>
+                        <a:schemeClr val="tx1"/>
+                      </a:solidFill>
+                      <a:prstDash val="solid"/>
+                      <a:round/>
+                      <a:headEnd type="none" w="med" len="med"/>
+                      <a:tailEnd type="none" w="med" len="med"/>
+                    </a:lnR>
+                    <a:lnT w="12700" cap="flat" cmpd="sng" algn="ctr">
+                      <a:solidFill>
+                        <a:schemeClr val="tx1"/>
+                      </a:solidFill>
+                      <a:prstDash val="solid"/>
+                      <a:round/>
+                      <a:headEnd type="none" w="med" len="med"/>
+                      <a:tailEnd type="none" w="med" len="med"/>
+                    </a:lnT>
+                    <a:lnB w="12700" cap="flat" cmpd="sng" algn="ctr">
+                      <a:solidFill>
+                        <a:schemeClr val="tx1"/>
+                      </a:solidFill>
+                      <a:prstDash val="solid"/>
+                      <a:round/>
+                      <a:headEnd type="none" w="med" len="med"/>
+                      <a:tailEnd type="none" w="med" len="med"/>
+                    </a:lnB>
+                  </a:tcPr>
+                </a:tc>
+                <a:tc>
+                  <a:txBody>
+                    <a:bodyPr/>
+                    <a:lstStyle/>
+                    <a:p>
+                      <a:endParaRPr lang="de-AT" baseline="0" dirty="0"/>
+                    </a:p>
+                  </a:txBody>
+                  <a:tcPr>
+                    <a:lnL w="12700" cap="flat" cmpd="sng" algn="ctr">
+                      <a:solidFill>
+                        <a:schemeClr val="tx1"/>
+                      </a:solidFill>
+                      <a:prstDash val="solid"/>
+                      <a:round/>
+                      <a:headEnd type="none" w="med" len="med"/>
+                      <a:tailEnd type="none" w="med" len="med"/>
+                    </a:lnL>
+                    <a:lnR w="12700" cap="flat" cmpd="sng" algn="ctr">
+                      <a:solidFill>
+                        <a:schemeClr val="tx1"/>
+                      </a:solidFill>
+                      <a:prstDash val="solid"/>
+                      <a:round/>
+                      <a:headEnd type="none" w="med" len="med"/>
+                      <a:tailEnd type="none" w="med" len="med"/>
+                    </a:lnR>
+                    <a:lnT w="12700" cap="flat" cmpd="sng" algn="ctr">
+                      <a:solidFill>
+                        <a:schemeClr val="tx1"/>
+                      </a:solidFill>
+                      <a:prstDash val="solid"/>
+                      <a:round/>
+                      <a:headEnd type="none" w="med" len="med"/>
+                      <a:tailEnd type="none" w="med" len="med"/>
+                    </a:lnT>
+                    <a:lnB w="12700" cap="flat" cmpd="sng" algn="ctr">
+                      <a:solidFill>
+                        <a:schemeClr val="tx1"/>
+                      </a:solidFill>
+                      <a:prstDash val="solid"/>
+                      <a:round/>
+                      <a:headEnd type="none" w="med" len="med"/>
+                      <a:tailEnd type="none" w="med" len="med"/>
+                    </a:lnB>
+                  </a:tcPr>
+                </a:tc>
+              </a:tr>
+              <a:tr h="370840">
+                <a:tc>
+                  <a:txBody>
+                    <a:bodyPr/>
+                    <a:lstStyle/>
+                    <a:p>
+                      <a:pPr marL="0" marR="0" indent="0" algn="l" defTabSz="914400" rtl="0" eaLnBrk="1" fontAlgn="auto" latinLnBrk="0" hangingPunct="1">
+                        <a:lnSpc>
+                          <a:spcPct val="100000"/>
+                        </a:lnSpc>
+                        <a:spcBef>
+                          <a:spcPts val="0"/>
+                        </a:spcBef>
+                        <a:spcAft>
+                          <a:spcPts val="0"/>
+                        </a:spcAft>
+                        <a:buClrTx/>
+                        <a:buSzTx/>
+                        <a:buFontTx/>
+                        <a:buNone/>
+                        <a:tabLst/>
+                        <a:defRPr/>
+                      </a:pPr>
+                      <a:r>
+                        <a:rPr lang="de-AT" baseline="0" dirty="0" smtClean="0"/>
+                        <a:t>Mitarbeiter</a:t>
+                      </a:r>
+                      <a:endParaRPr lang="de-AT" baseline="0" dirty="0" smtClean="0"/>
+                    </a:p>
+                  </a:txBody>
+                  <a:tcPr>
+                    <a:lnL w="12700" cap="flat" cmpd="sng" algn="ctr">
+                      <a:solidFill>
+                        <a:schemeClr val="tx1"/>
+                      </a:solidFill>
+                      <a:prstDash val="solid"/>
+                      <a:round/>
+                      <a:headEnd type="none" w="med" len="med"/>
+                      <a:tailEnd type="none" w="med" len="med"/>
+                    </a:lnL>
+                    <a:lnR w="12700" cap="flat" cmpd="sng" algn="ctr">
+                      <a:solidFill>
+                        <a:schemeClr val="tx1"/>
+                      </a:solidFill>
+                      <a:prstDash val="solid"/>
+                      <a:round/>
+                      <a:headEnd type="none" w="med" len="med"/>
+                      <a:tailEnd type="none" w="med" len="med"/>
+                    </a:lnR>
+                    <a:lnT w="12700" cap="flat" cmpd="sng" algn="ctr">
+                      <a:solidFill>
+                        <a:schemeClr val="tx1"/>
+                      </a:solidFill>
+                      <a:prstDash val="solid"/>
+                      <a:round/>
+                      <a:headEnd type="none" w="med" len="med"/>
+                      <a:tailEnd type="none" w="med" len="med"/>
+                    </a:lnT>
+                    <a:lnB w="12700" cap="flat" cmpd="sng" algn="ctr">
+                      <a:solidFill>
+                        <a:schemeClr val="tx1"/>
+                      </a:solidFill>
+                      <a:prstDash val="solid"/>
+                      <a:round/>
+                      <a:headEnd type="none" w="med" len="med"/>
+                      <a:tailEnd type="none" w="med" len="med"/>
+                    </a:lnB>
+                  </a:tcPr>
+                </a:tc>
+                <a:tc>
+                  <a:txBody>
+                    <a:bodyPr/>
+                    <a:lstStyle/>
+                    <a:p>
+                      <a:endParaRPr lang="de-AT" baseline="0" dirty="0"/>
+                    </a:p>
+                  </a:txBody>
+                  <a:tcPr>
+                    <a:lnL w="12700" cap="flat" cmpd="sng" algn="ctr">
+                      <a:solidFill>
+                        <a:schemeClr val="tx1"/>
+                      </a:solidFill>
+                      <a:prstDash val="solid"/>
+                      <a:round/>
+                      <a:headEnd type="none" w="med" len="med"/>
+                      <a:tailEnd type="none" w="med" len="med"/>
+                    </a:lnL>
+                    <a:lnR w="12700" cap="flat" cmpd="sng" algn="ctr">
+                      <a:solidFill>
+                        <a:schemeClr val="tx1"/>
+                      </a:solidFill>
+                      <a:prstDash val="solid"/>
+                      <a:round/>
+                      <a:headEnd type="none" w="med" len="med"/>
+                      <a:tailEnd type="none" w="med" len="med"/>
+                    </a:lnR>
+                    <a:lnT w="12700" cap="flat" cmpd="sng" algn="ctr">
+                      <a:solidFill>
+                        <a:schemeClr val="tx1"/>
+                      </a:solidFill>
+                      <a:prstDash val="solid"/>
+                      <a:round/>
+                      <a:headEnd type="none" w="med" len="med"/>
+                      <a:tailEnd type="none" w="med" len="med"/>
+                    </a:lnT>
+                    <a:lnB w="12700" cap="flat" cmpd="sng" algn="ctr">
+                      <a:solidFill>
+                        <a:schemeClr val="tx1"/>
+                      </a:solidFill>
+                      <a:prstDash val="solid"/>
+                      <a:round/>
+                      <a:headEnd type="none" w="med" len="med"/>
+                      <a:tailEnd type="none" w="med" len="med"/>
+                    </a:lnB>
+                  </a:tcPr>
+                </a:tc>
+                <a:tc>
+                  <a:txBody>
+                    <a:bodyPr/>
+                    <a:lstStyle/>
+                    <a:p>
+                      <a:endParaRPr lang="de-AT" baseline="0" dirty="0"/>
+                    </a:p>
+                  </a:txBody>
+                  <a:tcPr>
+                    <a:lnL w="12700" cap="flat" cmpd="sng" algn="ctr">
+                      <a:solidFill>
+                        <a:schemeClr val="tx1"/>
+                      </a:solidFill>
+                      <a:prstDash val="solid"/>
+                      <a:round/>
+                      <a:headEnd type="none" w="med" len="med"/>
+                      <a:tailEnd type="none" w="med" len="med"/>
+                    </a:lnL>
+                    <a:lnR w="12700" cap="flat" cmpd="sng" algn="ctr">
+                      <a:solidFill>
+                        <a:schemeClr val="tx1"/>
+                      </a:solidFill>
+                      <a:prstDash val="solid"/>
+                      <a:round/>
+                      <a:headEnd type="none" w="med" len="med"/>
+                      <a:tailEnd type="none" w="med" len="med"/>
+                    </a:lnR>
+                    <a:lnT w="12700" cap="flat" cmpd="sng" algn="ctr">
+                      <a:solidFill>
+                        <a:schemeClr val="tx1"/>
+                      </a:solidFill>
+                      <a:prstDash val="solid"/>
+                      <a:round/>
+                      <a:headEnd type="none" w="med" len="med"/>
+                      <a:tailEnd type="none" w="med" len="med"/>
+                    </a:lnT>
+                    <a:lnB w="12700" cap="flat" cmpd="sng" algn="ctr">
+                      <a:solidFill>
+                        <a:schemeClr val="tx1"/>
+                      </a:solidFill>
+                      <a:prstDash val="solid"/>
+                      <a:round/>
+                      <a:headEnd type="none" w="med" len="med"/>
+                      <a:tailEnd type="none" w="med" len="med"/>
+                    </a:lnB>
+                  </a:tcPr>
+                </a:tc>
+                <a:tc>
+                  <a:txBody>
+                    <a:bodyPr/>
+                    <a:lstStyle/>
+                    <a:p>
+                      <a:r>
+                        <a:rPr lang="de-AT" baseline="0" dirty="0" smtClean="0"/>
+                        <a:t>x</a:t>
+                      </a:r>
+                      <a:endParaRPr lang="de-AT" baseline="0" dirty="0"/>
+                    </a:p>
+                  </a:txBody>
+                  <a:tcPr>
+                    <a:lnL w="12700" cap="flat" cmpd="sng" algn="ctr">
+                      <a:solidFill>
+                        <a:schemeClr val="tx1"/>
+                      </a:solidFill>
+                      <a:prstDash val="solid"/>
+                      <a:round/>
+                      <a:headEnd type="none" w="med" len="med"/>
+                      <a:tailEnd type="none" w="med" len="med"/>
+                    </a:lnL>
+                    <a:lnR w="12700" cap="flat" cmpd="sng" algn="ctr">
+                      <a:solidFill>
+                        <a:schemeClr val="tx1"/>
+                      </a:solidFill>
+                      <a:prstDash val="solid"/>
+                      <a:round/>
+                      <a:headEnd type="none" w="med" len="med"/>
+                      <a:tailEnd type="none" w="med" len="med"/>
+                    </a:lnR>
+                    <a:lnT w="12700" cap="flat" cmpd="sng" algn="ctr">
+                      <a:solidFill>
+                        <a:schemeClr val="tx1"/>
+                      </a:solidFill>
+                      <a:prstDash val="solid"/>
+                      <a:round/>
+                      <a:headEnd type="none" w="med" len="med"/>
+                      <a:tailEnd type="none" w="med" len="med"/>
+                    </a:lnT>
+                    <a:lnB w="12700" cap="flat" cmpd="sng" algn="ctr">
+                      <a:solidFill>
+                        <a:schemeClr val="tx1"/>
+                      </a:solidFill>
+                      <a:prstDash val="solid"/>
+                      <a:round/>
+                      <a:headEnd type="none" w="med" len="med"/>
+                      <a:tailEnd type="none" w="med" len="med"/>
+                    </a:lnB>
+                  </a:tcPr>
+                </a:tc>
+              </a:tr>
+              <a:tr h="370840">
+                <a:tc>
+                  <a:txBody>
+                    <a:bodyPr/>
+                    <a:lstStyle/>
+                    <a:p>
+                      <a:r>
+                        <a:rPr lang="de-AT" baseline="0" dirty="0" smtClean="0"/>
+                        <a:t>Lagermitarbeiter</a:t>
+                      </a:r>
+                      <a:endParaRPr lang="de-AT" baseline="0" dirty="0"/>
+                    </a:p>
+                  </a:txBody>
+                  <a:tcPr>
+                    <a:lnL w="12700" cap="flat" cmpd="sng" algn="ctr">
+                      <a:solidFill>
+                        <a:schemeClr val="tx1"/>
+                      </a:solidFill>
+                      <a:prstDash val="solid"/>
+                      <a:round/>
+                      <a:headEnd type="none" w="med" len="med"/>
+                      <a:tailEnd type="none" w="med" len="med"/>
+                    </a:lnL>
+                    <a:lnR w="12700" cap="flat" cmpd="sng" algn="ctr">
+                      <a:solidFill>
+                        <a:schemeClr val="tx1"/>
+                      </a:solidFill>
+                      <a:prstDash val="solid"/>
+                      <a:round/>
+                      <a:headEnd type="none" w="med" len="med"/>
+                      <a:tailEnd type="none" w="med" len="med"/>
+                    </a:lnR>
+                    <a:lnT w="12700" cap="flat" cmpd="sng" algn="ctr">
+                      <a:solidFill>
+                        <a:schemeClr val="tx1"/>
+                      </a:solidFill>
+                      <a:prstDash val="solid"/>
+                      <a:round/>
+                      <a:headEnd type="none" w="med" len="med"/>
+                      <a:tailEnd type="none" w="med" len="med"/>
+                    </a:lnT>
+                    <a:lnB w="12700" cap="flat" cmpd="sng" algn="ctr">
+                      <a:solidFill>
+                        <a:schemeClr val="tx1"/>
+                      </a:solidFill>
+                      <a:prstDash val="solid"/>
+                      <a:round/>
+                      <a:headEnd type="none" w="med" len="med"/>
+                      <a:tailEnd type="none" w="med" len="med"/>
+                    </a:lnB>
+                  </a:tcPr>
+                </a:tc>
+                <a:tc>
+                  <a:txBody>
+                    <a:bodyPr/>
+                    <a:lstStyle/>
+                    <a:p>
+                      <a:endParaRPr lang="de-AT" baseline="0" dirty="0"/>
+                    </a:p>
+                  </a:txBody>
+                  <a:tcPr>
+                    <a:lnL w="12700" cap="flat" cmpd="sng" algn="ctr">
+                      <a:solidFill>
+                        <a:schemeClr val="tx1"/>
+                      </a:solidFill>
+                      <a:prstDash val="solid"/>
+                      <a:round/>
+                      <a:headEnd type="none" w="med" len="med"/>
+                      <a:tailEnd type="none" w="med" len="med"/>
+                    </a:lnL>
+                    <a:lnR w="12700" cap="flat" cmpd="sng" algn="ctr">
+                      <a:solidFill>
+                        <a:schemeClr val="tx1"/>
+                      </a:solidFill>
+                      <a:prstDash val="solid"/>
+                      <a:round/>
+                      <a:headEnd type="none" w="med" len="med"/>
+                      <a:tailEnd type="none" w="med" len="med"/>
+                    </a:lnR>
+                    <a:lnT w="12700" cap="flat" cmpd="sng" algn="ctr">
+                      <a:solidFill>
+                        <a:schemeClr val="tx1"/>
+                      </a:solidFill>
+                      <a:prstDash val="solid"/>
+                      <a:round/>
+                      <a:headEnd type="none" w="med" len="med"/>
+                      <a:tailEnd type="none" w="med" len="med"/>
+                    </a:lnT>
+                    <a:lnB w="12700" cap="flat" cmpd="sng" algn="ctr">
+                      <a:solidFill>
+                        <a:schemeClr val="tx1"/>
+                      </a:solidFill>
+                      <a:prstDash val="solid"/>
+                      <a:round/>
+                      <a:headEnd type="none" w="med" len="med"/>
+                      <a:tailEnd type="none" w="med" len="med"/>
+                    </a:lnB>
+                  </a:tcPr>
+                </a:tc>
+                <a:tc>
+                  <a:txBody>
+                    <a:bodyPr/>
+                    <a:lstStyle/>
+                    <a:p>
+                      <a:endParaRPr lang="de-AT" baseline="0" dirty="0"/>
+                    </a:p>
+                  </a:txBody>
+                  <a:tcPr>
+                    <a:lnL w="12700" cap="flat" cmpd="sng" algn="ctr">
+                      <a:solidFill>
+                        <a:schemeClr val="tx1"/>
+                      </a:solidFill>
+                      <a:prstDash val="solid"/>
+                      <a:round/>
+                      <a:headEnd type="none" w="med" len="med"/>
+                      <a:tailEnd type="none" w="med" len="med"/>
+                    </a:lnL>
+                    <a:lnR w="12700" cap="flat" cmpd="sng" algn="ctr">
+                      <a:solidFill>
+                        <a:schemeClr val="tx1"/>
+                      </a:solidFill>
+                      <a:prstDash val="solid"/>
+                      <a:round/>
+                      <a:headEnd type="none" w="med" len="med"/>
+                      <a:tailEnd type="none" w="med" len="med"/>
+                    </a:lnR>
+                    <a:lnT w="12700" cap="flat" cmpd="sng" algn="ctr">
+                      <a:solidFill>
+                        <a:schemeClr val="tx1"/>
+                      </a:solidFill>
+                      <a:prstDash val="solid"/>
+                      <a:round/>
+                      <a:headEnd type="none" w="med" len="med"/>
+                      <a:tailEnd type="none" w="med" len="med"/>
+                    </a:lnT>
+                    <a:lnB w="12700" cap="flat" cmpd="sng" algn="ctr">
+                      <a:solidFill>
+                        <a:schemeClr val="tx1"/>
+                      </a:solidFill>
+                      <a:prstDash val="solid"/>
+                      <a:round/>
+                      <a:headEnd type="none" w="med" len="med"/>
+                      <a:tailEnd type="none" w="med" len="med"/>
+                    </a:lnB>
+                  </a:tcPr>
+                </a:tc>
+                <a:tc>
+                  <a:txBody>
+                    <a:bodyPr/>
+                    <a:lstStyle/>
+                    <a:p>
+                      <a:r>
+                        <a:rPr lang="de-AT" baseline="0" dirty="0" smtClean="0"/>
+                        <a:t>x</a:t>
+                      </a:r>
+                      <a:endParaRPr lang="de-AT" baseline="0" dirty="0"/>
+                    </a:p>
+                  </a:txBody>
+                  <a:tcPr>
+                    <a:lnL w="12700" cap="flat" cmpd="sng" algn="ctr">
+                      <a:solidFill>
+                        <a:schemeClr val="tx1"/>
+                      </a:solidFill>
+                      <a:prstDash val="solid"/>
+                      <a:round/>
+                      <a:headEnd type="none" w="med" len="med"/>
+                      <a:tailEnd type="none" w="med" len="med"/>
+                    </a:lnL>
+                    <a:lnR w="12700" cap="flat" cmpd="sng" algn="ctr">
+                      <a:solidFill>
+                        <a:schemeClr val="tx1"/>
+                      </a:solidFill>
+                      <a:prstDash val="solid"/>
+                      <a:round/>
+                      <a:headEnd type="none" w="med" len="med"/>
+                      <a:tailEnd type="none" w="med" len="med"/>
+                    </a:lnR>
+                    <a:lnT w="12700" cap="flat" cmpd="sng" algn="ctr">
+                      <a:solidFill>
+                        <a:schemeClr val="tx1"/>
+                      </a:solidFill>
+                      <a:prstDash val="solid"/>
+                      <a:round/>
+                      <a:headEnd type="none" w="med" len="med"/>
+                      <a:tailEnd type="none" w="med" len="med"/>
+                    </a:lnT>
+                    <a:lnB w="12700" cap="flat" cmpd="sng" algn="ctr">
+                      <a:solidFill>
+                        <a:schemeClr val="tx1"/>
+                      </a:solidFill>
+                      <a:prstDash val="solid"/>
+                      <a:round/>
+                      <a:headEnd type="none" w="med" len="med"/>
+                      <a:tailEnd type="none" w="med" len="med"/>
+                    </a:lnB>
+                  </a:tcPr>
+                </a:tc>
+              </a:tr>
+              <a:tr h="370840">
+                <a:tc>
+                  <a:txBody>
+                    <a:bodyPr/>
+                    <a:lstStyle/>
+                    <a:p>
+                      <a:pPr marL="0" marR="0" indent="0" algn="l" defTabSz="914400" rtl="0" eaLnBrk="1" fontAlgn="auto" latinLnBrk="0" hangingPunct="1">
+                        <a:lnSpc>
+                          <a:spcPct val="100000"/>
+                        </a:lnSpc>
+                        <a:spcBef>
+                          <a:spcPts val="0"/>
+                        </a:spcBef>
+                        <a:spcAft>
+                          <a:spcPts val="0"/>
+                        </a:spcAft>
+                        <a:buClrTx/>
+                        <a:buSzTx/>
+                        <a:buFontTx/>
+                        <a:buNone/>
+                        <a:tabLst/>
+                        <a:defRPr/>
+                      </a:pPr>
+                      <a:r>
+                        <a:rPr lang="de-AT" baseline="0" dirty="0" smtClean="0"/>
+                        <a:t>Montagemitarbeiter</a:t>
+                      </a:r>
+                      <a:endParaRPr lang="de-AT" baseline="0" dirty="0" smtClean="0"/>
+                    </a:p>
+                  </a:txBody>
+                  <a:tcPr>
+                    <a:lnL w="12700" cap="flat" cmpd="sng" algn="ctr">
+                      <a:solidFill>
+                        <a:schemeClr val="tx1"/>
+                      </a:solidFill>
+                      <a:prstDash val="solid"/>
+                      <a:round/>
+                      <a:headEnd type="none" w="med" len="med"/>
+                      <a:tailEnd type="none" w="med" len="med"/>
+                    </a:lnL>
+                    <a:lnR w="12700" cap="flat" cmpd="sng" algn="ctr">
+                      <a:solidFill>
+                        <a:schemeClr val="tx1"/>
+                      </a:solidFill>
+                      <a:prstDash val="solid"/>
+                      <a:round/>
+                      <a:headEnd type="none" w="med" len="med"/>
+                      <a:tailEnd type="none" w="med" len="med"/>
+                    </a:lnR>
+                    <a:lnT w="12700" cap="flat" cmpd="sng" algn="ctr">
+                      <a:solidFill>
+                        <a:schemeClr val="tx1"/>
+                      </a:solidFill>
+                      <a:prstDash val="solid"/>
+                      <a:round/>
+                      <a:headEnd type="none" w="med" len="med"/>
+                      <a:tailEnd type="none" w="med" len="med"/>
+                    </a:lnT>
+                    <a:lnB w="12700" cap="flat" cmpd="sng" algn="ctr">
+                      <a:solidFill>
+                        <a:schemeClr val="tx1"/>
+                      </a:solidFill>
+                      <a:prstDash val="solid"/>
+                      <a:round/>
+                      <a:headEnd type="none" w="med" len="med"/>
+                      <a:tailEnd type="none" w="med" len="med"/>
+                    </a:lnB>
+                  </a:tcPr>
+                </a:tc>
+                <a:tc>
+                  <a:txBody>
+                    <a:bodyPr/>
+                    <a:lstStyle/>
+                    <a:p>
+                      <a:endParaRPr lang="de-AT" baseline="0" dirty="0"/>
+                    </a:p>
+                  </a:txBody>
+                  <a:tcPr>
+                    <a:lnL w="12700" cap="flat" cmpd="sng" algn="ctr">
+                      <a:solidFill>
+                        <a:schemeClr val="tx1"/>
+                      </a:solidFill>
+                      <a:prstDash val="solid"/>
+                      <a:round/>
+                      <a:headEnd type="none" w="med" len="med"/>
+                      <a:tailEnd type="none" w="med" len="med"/>
+                    </a:lnL>
+                    <a:lnR w="12700" cap="flat" cmpd="sng" algn="ctr">
+                      <a:solidFill>
+                        <a:schemeClr val="tx1"/>
+                      </a:solidFill>
+                      <a:prstDash val="solid"/>
+                      <a:round/>
+                      <a:headEnd type="none" w="med" len="med"/>
+                      <a:tailEnd type="none" w="med" len="med"/>
+                    </a:lnR>
+                    <a:lnT w="12700" cap="flat" cmpd="sng" algn="ctr">
+                      <a:solidFill>
+                        <a:schemeClr val="tx1"/>
+                      </a:solidFill>
+                      <a:prstDash val="solid"/>
+                      <a:round/>
+                      <a:headEnd type="none" w="med" len="med"/>
+                      <a:tailEnd type="none" w="med" len="med"/>
+                    </a:lnT>
+                    <a:lnB w="12700" cap="flat" cmpd="sng" algn="ctr">
+                      <a:solidFill>
+                        <a:schemeClr val="tx1"/>
+                      </a:solidFill>
+                      <a:prstDash val="solid"/>
+                      <a:round/>
+                      <a:headEnd type="none" w="med" len="med"/>
+                      <a:tailEnd type="none" w="med" len="med"/>
+                    </a:lnB>
+                  </a:tcPr>
+                </a:tc>
+                <a:tc>
+                  <a:txBody>
+                    <a:bodyPr/>
+                    <a:lstStyle/>
+                    <a:p>
+                      <a:r>
+                        <a:rPr lang="de-AT" baseline="0" dirty="0" smtClean="0"/>
+                        <a:t>x</a:t>
+                      </a:r>
+                      <a:endParaRPr lang="de-AT" baseline="0" dirty="0"/>
+                    </a:p>
+                  </a:txBody>
+                  <a:tcPr>
+                    <a:lnL w="12700" cap="flat" cmpd="sng" algn="ctr">
+                      <a:solidFill>
+                        <a:schemeClr val="tx1"/>
+                      </a:solidFill>
+                      <a:prstDash val="solid"/>
+                      <a:round/>
+                      <a:headEnd type="none" w="med" len="med"/>
+                      <a:tailEnd type="none" w="med" len="med"/>
+                    </a:lnL>
+                    <a:lnR w="12700" cap="flat" cmpd="sng" algn="ctr">
+                      <a:solidFill>
+                        <a:schemeClr val="tx1"/>
+                      </a:solidFill>
+                      <a:prstDash val="solid"/>
+                      <a:round/>
+                      <a:headEnd type="none" w="med" len="med"/>
+                      <a:tailEnd type="none" w="med" len="med"/>
+                    </a:lnR>
+                    <a:lnT w="12700" cap="flat" cmpd="sng" algn="ctr">
+                      <a:solidFill>
+                        <a:schemeClr val="tx1"/>
+                      </a:solidFill>
+                      <a:prstDash val="solid"/>
+                      <a:round/>
+                      <a:headEnd type="none" w="med" len="med"/>
+                      <a:tailEnd type="none" w="med" len="med"/>
+                    </a:lnT>
+                    <a:lnB w="12700" cap="flat" cmpd="sng" algn="ctr">
+                      <a:solidFill>
+                        <a:schemeClr val="tx1"/>
+                      </a:solidFill>
+                      <a:prstDash val="solid"/>
+                      <a:round/>
+                      <a:headEnd type="none" w="med" len="med"/>
+                      <a:tailEnd type="none" w="med" len="med"/>
+                    </a:lnB>
+                  </a:tcPr>
+                </a:tc>
+                <a:tc>
+                  <a:txBody>
+                    <a:bodyPr/>
+                    <a:lstStyle/>
+                    <a:p>
+                      <a:endParaRPr lang="de-AT" baseline="0" dirty="0"/>
+                    </a:p>
+                  </a:txBody>
+                  <a:tcPr>
+                    <a:lnL w="12700" cap="flat" cmpd="sng" algn="ctr">
+                      <a:solidFill>
+                        <a:schemeClr val="tx1"/>
+                      </a:solidFill>
+                      <a:prstDash val="solid"/>
+                      <a:round/>
+                      <a:headEnd type="none" w="med" len="med"/>
+                      <a:tailEnd type="none" w="med" len="med"/>
+                    </a:lnL>
+                    <a:lnR w="12700" cap="flat" cmpd="sng" algn="ctr">
+                      <a:solidFill>
+                        <a:schemeClr val="tx1"/>
+                      </a:solidFill>
+                      <a:prstDash val="solid"/>
+                      <a:round/>
+                      <a:headEnd type="none" w="med" len="med"/>
+                      <a:tailEnd type="none" w="med" len="med"/>
+                    </a:lnR>
+                    <a:lnT w="12700" cap="flat" cmpd="sng" algn="ctr">
+                      <a:solidFill>
+                        <a:schemeClr val="tx1"/>
+                      </a:solidFill>
+                      <a:prstDash val="solid"/>
+                      <a:round/>
+                      <a:headEnd type="none" w="med" len="med"/>
+                      <a:tailEnd type="none" w="med" len="med"/>
+                    </a:lnT>
+                    <a:lnB w="12700" cap="flat" cmpd="sng" algn="ctr">
+                      <a:solidFill>
+                        <a:schemeClr val="tx1"/>
+                      </a:solidFill>
+                      <a:prstDash val="solid"/>
+                      <a:round/>
+                      <a:headEnd type="none" w="med" len="med"/>
+                      <a:tailEnd type="none" w="med" len="med"/>
+                    </a:lnB>
+                  </a:tcPr>
+                </a:tc>
+              </a:tr>
+              <a:tr h="370840">
+                <a:tc>
+                  <a:txBody>
+                    <a:bodyPr/>
+                    <a:lstStyle/>
+                    <a:p>
+                      <a:r>
+                        <a:rPr lang="de-AT" baseline="0" dirty="0" smtClean="0"/>
+                        <a:t>Lieferant</a:t>
+                      </a:r>
+                      <a:endParaRPr lang="de-AT" baseline="0" dirty="0"/>
+                    </a:p>
+                  </a:txBody>
+                  <a:tcPr>
+                    <a:lnL w="12700" cap="flat" cmpd="sng" algn="ctr">
+                      <a:solidFill>
+                        <a:schemeClr val="tx1"/>
+                      </a:solidFill>
+                      <a:prstDash val="solid"/>
+                      <a:round/>
+                      <a:headEnd type="none" w="med" len="med"/>
+                      <a:tailEnd type="none" w="med" len="med"/>
+                    </a:lnL>
+                    <a:lnR w="12700" cap="flat" cmpd="sng" algn="ctr">
+                      <a:solidFill>
+                        <a:schemeClr val="tx1"/>
+                      </a:solidFill>
+                      <a:prstDash val="solid"/>
+                      <a:round/>
+                      <a:headEnd type="none" w="med" len="med"/>
+                      <a:tailEnd type="none" w="med" len="med"/>
+                    </a:lnR>
+                    <a:lnT w="12700" cap="flat" cmpd="sng" algn="ctr">
+                      <a:solidFill>
+                        <a:schemeClr val="tx1"/>
+                      </a:solidFill>
+                      <a:prstDash val="solid"/>
+                      <a:round/>
+                      <a:headEnd type="none" w="med" len="med"/>
+                      <a:tailEnd type="none" w="med" len="med"/>
+                    </a:lnT>
+                    <a:lnB w="12700" cap="flat" cmpd="sng" algn="ctr">
+                      <a:solidFill>
+                        <a:schemeClr val="tx1"/>
+                      </a:solidFill>
+                      <a:prstDash val="solid"/>
+                      <a:round/>
+                      <a:headEnd type="none" w="med" len="med"/>
+                      <a:tailEnd type="none" w="med" len="med"/>
+                    </a:lnB>
+                  </a:tcPr>
+                </a:tc>
+                <a:tc>
+                  <a:txBody>
+                    <a:bodyPr/>
+                    <a:lstStyle/>
+                    <a:p>
+                      <a:endParaRPr lang="de-AT" baseline="0" dirty="0"/>
+                    </a:p>
+                  </a:txBody>
+                  <a:tcPr>
+                    <a:lnL w="12700" cap="flat" cmpd="sng" algn="ctr">
+                      <a:solidFill>
+                        <a:schemeClr val="tx1"/>
+                      </a:solidFill>
+                      <a:prstDash val="solid"/>
+                      <a:round/>
+                      <a:headEnd type="none" w="med" len="med"/>
+                      <a:tailEnd type="none" w="med" len="med"/>
+                    </a:lnL>
+                    <a:lnR w="12700" cap="flat" cmpd="sng" algn="ctr">
+                      <a:solidFill>
+                        <a:schemeClr val="tx1"/>
+                      </a:solidFill>
+                      <a:prstDash val="solid"/>
+                      <a:round/>
+                      <a:headEnd type="none" w="med" len="med"/>
+                      <a:tailEnd type="none" w="med" len="med"/>
+                    </a:lnR>
+                    <a:lnT w="12700" cap="flat" cmpd="sng" algn="ctr">
+                      <a:solidFill>
+                        <a:schemeClr val="tx1"/>
+                      </a:solidFill>
+                      <a:prstDash val="solid"/>
+                      <a:round/>
+                      <a:headEnd type="none" w="med" len="med"/>
+                      <a:tailEnd type="none" w="med" len="med"/>
+                    </a:lnT>
+                    <a:lnB w="12700" cap="flat" cmpd="sng" algn="ctr">
+                      <a:solidFill>
+                        <a:schemeClr val="tx1"/>
+                      </a:solidFill>
+                      <a:prstDash val="solid"/>
+                      <a:round/>
+                      <a:headEnd type="none" w="med" len="med"/>
+                      <a:tailEnd type="none" w="med" len="med"/>
+                    </a:lnB>
+                  </a:tcPr>
+                </a:tc>
+                <a:tc>
+                  <a:txBody>
+                    <a:bodyPr/>
+                    <a:lstStyle/>
+                    <a:p>
+                      <a:r>
+                        <a:rPr lang="de-AT" baseline="0" dirty="0" smtClean="0"/>
+                        <a:t>x</a:t>
+                      </a:r>
+                      <a:endParaRPr lang="de-AT" baseline="0" dirty="0"/>
+                    </a:p>
+                  </a:txBody>
+                  <a:tcPr>
+                    <a:lnL w="12700" cap="flat" cmpd="sng" algn="ctr">
+                      <a:solidFill>
+                        <a:schemeClr val="tx1"/>
+                      </a:solidFill>
+                      <a:prstDash val="solid"/>
+                      <a:round/>
+                      <a:headEnd type="none" w="med" len="med"/>
+                      <a:tailEnd type="none" w="med" len="med"/>
+                    </a:lnL>
+                    <a:lnR w="12700" cap="flat" cmpd="sng" algn="ctr">
+                      <a:solidFill>
+                        <a:schemeClr val="tx1"/>
+                      </a:solidFill>
+                      <a:prstDash val="solid"/>
+                      <a:round/>
+                      <a:headEnd type="none" w="med" len="med"/>
+                      <a:tailEnd type="none" w="med" len="med"/>
+                    </a:lnR>
+                    <a:lnT w="12700" cap="flat" cmpd="sng" algn="ctr">
+                      <a:solidFill>
+                        <a:schemeClr val="tx1"/>
+                      </a:solidFill>
+                      <a:prstDash val="solid"/>
+                      <a:round/>
+                      <a:headEnd type="none" w="med" len="med"/>
+                      <a:tailEnd type="none" w="med" len="med"/>
+                    </a:lnT>
+                    <a:lnB w="12700" cap="flat" cmpd="sng" algn="ctr">
+                      <a:solidFill>
+                        <a:schemeClr val="tx1"/>
+                      </a:solidFill>
+                      <a:prstDash val="solid"/>
+                      <a:round/>
+                      <a:headEnd type="none" w="med" len="med"/>
+                      <a:tailEnd type="none" w="med" len="med"/>
+                    </a:lnB>
+                  </a:tcPr>
+                </a:tc>
+                <a:tc>
+                  <a:txBody>
+                    <a:bodyPr/>
+                    <a:lstStyle/>
+                    <a:p>
+                      <a:endParaRPr lang="de-AT" baseline="0" dirty="0"/>
+                    </a:p>
+                  </a:txBody>
+                  <a:tcPr>
+                    <a:lnL w="12700" cap="flat" cmpd="sng" algn="ctr">
+                      <a:solidFill>
+                        <a:schemeClr val="tx1"/>
+                      </a:solidFill>
+                      <a:prstDash val="solid"/>
+                      <a:round/>
+                      <a:headEnd type="none" w="med" len="med"/>
+                      <a:tailEnd type="none" w="med" len="med"/>
+                    </a:lnL>
+                    <a:lnR w="12700" cap="flat" cmpd="sng" algn="ctr">
+                      <a:solidFill>
+                        <a:schemeClr val="tx1"/>
+                      </a:solidFill>
+                      <a:prstDash val="solid"/>
+                      <a:round/>
+                      <a:headEnd type="none" w="med" len="med"/>
+                      <a:tailEnd type="none" w="med" len="med"/>
+                    </a:lnR>
+                    <a:lnT w="12700" cap="flat" cmpd="sng" algn="ctr">
+                      <a:solidFill>
+                        <a:schemeClr val="tx1"/>
+                      </a:solidFill>
+                      <a:prstDash val="solid"/>
+                      <a:round/>
+                      <a:headEnd type="none" w="med" len="med"/>
+                      <a:tailEnd type="none" w="med" len="med"/>
+                    </a:lnT>
+                    <a:lnB w="12700" cap="flat" cmpd="sng" algn="ctr">
+                      <a:solidFill>
+                        <a:schemeClr val="tx1"/>
+                      </a:solidFill>
+                      <a:prstDash val="solid"/>
+                      <a:round/>
+                      <a:headEnd type="none" w="med" len="med"/>
+                      <a:tailEnd type="none" w="med" len="med"/>
+                    </a:lnB>
+                  </a:tcPr>
+                </a:tc>
+              </a:tr>
+              <a:tr h="370840">
+                <a:tc>
+                  <a:txBody>
+                    <a:bodyPr/>
+                    <a:lstStyle/>
+                    <a:p>
+                      <a:r>
+                        <a:rPr lang="de-AT" baseline="0" dirty="0" smtClean="0"/>
+                        <a:t>Bauplan</a:t>
+                      </a:r>
+                      <a:endParaRPr lang="de-AT" baseline="0" dirty="0"/>
+                    </a:p>
+                  </a:txBody>
+                  <a:tcPr>
+                    <a:lnL w="12700" cap="flat" cmpd="sng" algn="ctr">
+                      <a:solidFill>
+                        <a:schemeClr val="tx1"/>
+                      </a:solidFill>
+                      <a:prstDash val="solid"/>
+                      <a:round/>
+                      <a:headEnd type="none" w="med" len="med"/>
+                      <a:tailEnd type="none" w="med" len="med"/>
+                    </a:lnL>
+                    <a:lnR w="12700" cap="flat" cmpd="sng" algn="ctr">
+                      <a:solidFill>
+                        <a:schemeClr val="tx1"/>
+                      </a:solidFill>
+                      <a:prstDash val="solid"/>
+                      <a:round/>
+                      <a:headEnd type="none" w="med" len="med"/>
+                      <a:tailEnd type="none" w="med" len="med"/>
+                    </a:lnR>
+                    <a:lnT w="12700" cap="flat" cmpd="sng" algn="ctr">
+                      <a:solidFill>
+                        <a:schemeClr val="tx1"/>
+                      </a:solidFill>
+                      <a:prstDash val="solid"/>
+                      <a:round/>
+                      <a:headEnd type="none" w="med" len="med"/>
+                      <a:tailEnd type="none" w="med" len="med"/>
+                    </a:lnT>
+                    <a:lnB w="12700" cap="flat" cmpd="sng" algn="ctr">
+                      <a:solidFill>
+                        <a:schemeClr val="tx1"/>
+                      </a:solidFill>
+                      <a:prstDash val="solid"/>
+                      <a:round/>
+                      <a:headEnd type="none" w="med" len="med"/>
+                      <a:tailEnd type="none" w="med" len="med"/>
+                    </a:lnB>
+                  </a:tcPr>
+                </a:tc>
+                <a:tc>
+                  <a:txBody>
+                    <a:bodyPr/>
+                    <a:lstStyle/>
+                    <a:p>
+                      <a:r>
+                        <a:rPr lang="de-AT" baseline="0" dirty="0" smtClean="0"/>
+                        <a:t>x</a:t>
+                      </a:r>
+                      <a:endParaRPr lang="de-AT" baseline="0" dirty="0"/>
+                    </a:p>
+                  </a:txBody>
+                  <a:tcPr>
+                    <a:lnL w="12700" cap="flat" cmpd="sng" algn="ctr">
+                      <a:solidFill>
+                        <a:schemeClr val="tx1"/>
+                      </a:solidFill>
+                      <a:prstDash val="solid"/>
+                      <a:round/>
+                      <a:headEnd type="none" w="med" len="med"/>
+                      <a:tailEnd type="none" w="med" len="med"/>
+                    </a:lnL>
+                    <a:lnR w="12700" cap="flat" cmpd="sng" algn="ctr">
+                      <a:solidFill>
+                        <a:schemeClr val="tx1"/>
+                      </a:solidFill>
+                      <a:prstDash val="solid"/>
+                      <a:round/>
+                      <a:headEnd type="none" w="med" len="med"/>
+                      <a:tailEnd type="none" w="med" len="med"/>
+                    </a:lnR>
+                    <a:lnT w="12700" cap="flat" cmpd="sng" algn="ctr">
+                      <a:solidFill>
+                        <a:schemeClr val="tx1"/>
+                      </a:solidFill>
+                      <a:prstDash val="solid"/>
+                      <a:round/>
+                      <a:headEnd type="none" w="med" len="med"/>
+                      <a:tailEnd type="none" w="med" len="med"/>
+                    </a:lnT>
+                    <a:lnB w="12700" cap="flat" cmpd="sng" algn="ctr">
+                      <a:solidFill>
+                        <a:schemeClr val="tx1"/>
+                      </a:solidFill>
+                      <a:prstDash val="solid"/>
+                      <a:round/>
+                      <a:headEnd type="none" w="med" len="med"/>
+                      <a:tailEnd type="none" w="med" len="med"/>
+                    </a:lnB>
+                  </a:tcPr>
+                </a:tc>
+                <a:tc>
+                  <a:txBody>
+                    <a:bodyPr/>
+                    <a:lstStyle/>
+                    <a:p>
+                      <a:endParaRPr lang="de-AT" baseline="0" dirty="0"/>
+                    </a:p>
+                  </a:txBody>
+                  <a:tcPr>
+                    <a:lnL w="12700" cap="flat" cmpd="sng" algn="ctr">
+                      <a:solidFill>
+                        <a:schemeClr val="tx1"/>
+                      </a:solidFill>
+                      <a:prstDash val="solid"/>
+                      <a:round/>
+                      <a:headEnd type="none" w="med" len="med"/>
+                      <a:tailEnd type="none" w="med" len="med"/>
+                    </a:lnL>
+                    <a:lnR w="12700" cap="flat" cmpd="sng" algn="ctr">
+                      <a:solidFill>
+                        <a:schemeClr val="tx1"/>
+                      </a:solidFill>
+                      <a:prstDash val="solid"/>
+                      <a:round/>
+                      <a:headEnd type="none" w="med" len="med"/>
+                      <a:tailEnd type="none" w="med" len="med"/>
+                    </a:lnR>
+                    <a:lnT w="12700" cap="flat" cmpd="sng" algn="ctr">
+                      <a:solidFill>
+                        <a:schemeClr val="tx1"/>
+                      </a:solidFill>
+                      <a:prstDash val="solid"/>
+                      <a:round/>
+                      <a:headEnd type="none" w="med" len="med"/>
+                      <a:tailEnd type="none" w="med" len="med"/>
+                    </a:lnT>
+                    <a:lnB w="12700" cap="flat" cmpd="sng" algn="ctr">
+                      <a:solidFill>
+                        <a:schemeClr val="tx1"/>
+                      </a:solidFill>
+                      <a:prstDash val="solid"/>
+                      <a:round/>
+                      <a:headEnd type="none" w="med" len="med"/>
+                      <a:tailEnd type="none" w="med" len="med"/>
+                    </a:lnB>
+                  </a:tcPr>
+                </a:tc>
+                <a:tc>
+                  <a:txBody>
+                    <a:bodyPr/>
+                    <a:lstStyle/>
+                    <a:p>
+                      <a:endParaRPr lang="de-AT" baseline="0" dirty="0"/>
+                    </a:p>
+                  </a:txBody>
+                  <a:tcPr>
+                    <a:lnL w="12700" cap="flat" cmpd="sng" algn="ctr">
+                      <a:solidFill>
+                        <a:schemeClr val="tx1"/>
+                      </a:solidFill>
+                      <a:prstDash val="solid"/>
+                      <a:round/>
+                      <a:headEnd type="none" w="med" len="med"/>
+                      <a:tailEnd type="none" w="med" len="med"/>
+                    </a:lnL>
+                    <a:lnR w="12700" cap="flat" cmpd="sng" algn="ctr">
+                      <a:solidFill>
+                        <a:schemeClr val="tx1"/>
+                      </a:solidFill>
+                      <a:prstDash val="solid"/>
+                      <a:round/>
+                      <a:headEnd type="none" w="med" len="med"/>
+                      <a:tailEnd type="none" w="med" len="med"/>
+                    </a:lnR>
+                    <a:lnT w="12700" cap="flat" cmpd="sng" algn="ctr">
+                      <a:solidFill>
+                        <a:schemeClr val="tx1"/>
+                      </a:solidFill>
+                      <a:prstDash val="solid"/>
+                      <a:round/>
+                      <a:headEnd type="none" w="med" len="med"/>
+                      <a:tailEnd type="none" w="med" len="med"/>
+                    </a:lnT>
+                    <a:lnB w="12700" cap="flat" cmpd="sng" algn="ctr">
+                      <a:solidFill>
+                        <a:schemeClr val="tx1"/>
+                      </a:solidFill>
+                      <a:prstDash val="solid"/>
+                      <a:round/>
+                      <a:headEnd type="none" w="med" len="med"/>
+                      <a:tailEnd type="none" w="med" len="med"/>
+                    </a:lnB>
+                  </a:tcPr>
+                </a:tc>
+              </a:tr>
+              <a:tr h="370840">
+                <a:tc>
+                  <a:txBody>
+                    <a:bodyPr/>
+                    <a:lstStyle/>
+                    <a:p>
+                      <a:r>
+                        <a:rPr lang="de-AT" baseline="0" smtClean="0"/>
+                        <a:t>Dateizugriff</a:t>
+                      </a:r>
+                      <a:endParaRPr lang="de-AT" baseline="0" dirty="0"/>
+                    </a:p>
+                  </a:txBody>
+                  <a:tcPr>
+                    <a:lnL w="12700" cap="flat" cmpd="sng" algn="ctr">
+                      <a:solidFill>
+                        <a:schemeClr val="tx1"/>
+                      </a:solidFill>
+                      <a:prstDash val="solid"/>
+                      <a:round/>
+                      <a:headEnd type="none" w="med" len="med"/>
+                      <a:tailEnd type="none" w="med" len="med"/>
+                    </a:lnL>
+                    <a:lnR w="12700" cap="flat" cmpd="sng" algn="ctr">
+                      <a:solidFill>
+                        <a:schemeClr val="tx1"/>
+                      </a:solidFill>
+                      <a:prstDash val="solid"/>
+                      <a:round/>
+                      <a:headEnd type="none" w="med" len="med"/>
+                      <a:tailEnd type="none" w="med" len="med"/>
+                    </a:lnR>
+                    <a:lnT w="12700" cap="flat" cmpd="sng" algn="ctr">
+                      <a:solidFill>
+                        <a:schemeClr val="tx1"/>
+                      </a:solidFill>
+                      <a:prstDash val="solid"/>
+                      <a:round/>
+                      <a:headEnd type="none" w="med" len="med"/>
+                      <a:tailEnd type="none" w="med" len="med"/>
+                    </a:lnT>
+                    <a:lnB w="12700" cap="flat" cmpd="sng" algn="ctr">
+                      <a:solidFill>
+                        <a:schemeClr val="tx1"/>
+                      </a:solidFill>
+                      <a:prstDash val="solid"/>
+                      <a:round/>
+                      <a:headEnd type="none" w="med" len="med"/>
+                      <a:tailEnd type="none" w="med" len="med"/>
+                    </a:lnB>
+                  </a:tcPr>
+                </a:tc>
+                <a:tc>
+                  <a:txBody>
+                    <a:bodyPr/>
+                    <a:lstStyle/>
+                    <a:p>
+                      <a:r>
+                        <a:rPr lang="de-AT" baseline="0" dirty="0" smtClean="0"/>
+                        <a:t>x</a:t>
+                      </a:r>
+                      <a:endParaRPr lang="de-AT" baseline="0" dirty="0"/>
+                    </a:p>
+                  </a:txBody>
+                  <a:tcPr>
+                    <a:lnL w="12700" cap="flat" cmpd="sng" algn="ctr">
+                      <a:solidFill>
+                        <a:schemeClr val="tx1"/>
+                      </a:solidFill>
+                      <a:prstDash val="solid"/>
+                      <a:round/>
+                      <a:headEnd type="none" w="med" len="med"/>
+                      <a:tailEnd type="none" w="med" len="med"/>
+                    </a:lnL>
+                    <a:lnR w="12700" cap="flat" cmpd="sng" algn="ctr">
+                      <a:solidFill>
+                        <a:schemeClr val="tx1"/>
+                      </a:solidFill>
+                      <a:prstDash val="solid"/>
+                      <a:round/>
+                      <a:headEnd type="none" w="med" len="med"/>
+                      <a:tailEnd type="none" w="med" len="med"/>
+                    </a:lnR>
+                    <a:lnT w="12700" cap="flat" cmpd="sng" algn="ctr">
+                      <a:solidFill>
+                        <a:schemeClr val="tx1"/>
+                      </a:solidFill>
+                      <a:prstDash val="solid"/>
+                      <a:round/>
+                      <a:headEnd type="none" w="med" len="med"/>
+                      <a:tailEnd type="none" w="med" len="med"/>
+                    </a:lnT>
+                    <a:lnB w="12700" cap="flat" cmpd="sng" algn="ctr">
+                      <a:solidFill>
+                        <a:schemeClr val="tx1"/>
+                      </a:solidFill>
+                      <a:prstDash val="solid"/>
+                      <a:round/>
+                      <a:headEnd type="none" w="med" len="med"/>
+                      <a:tailEnd type="none" w="med" len="med"/>
+                    </a:lnB>
+                  </a:tcPr>
+                </a:tc>
+                <a:tc>
+                  <a:txBody>
+                    <a:bodyPr/>
+                    <a:lstStyle/>
+                    <a:p>
+                      <a:endParaRPr lang="de-AT" baseline="0" dirty="0"/>
+                    </a:p>
+                  </a:txBody>
+                  <a:tcPr>
+                    <a:lnL w="12700" cap="flat" cmpd="sng" algn="ctr">
+                      <a:solidFill>
+                        <a:schemeClr val="tx1"/>
+                      </a:solidFill>
+                      <a:prstDash val="solid"/>
+                      <a:round/>
+                      <a:headEnd type="none" w="med" len="med"/>
+                      <a:tailEnd type="none" w="med" len="med"/>
+                    </a:lnL>
+                    <a:lnR w="12700" cap="flat" cmpd="sng" algn="ctr">
+                      <a:solidFill>
+                        <a:schemeClr val="tx1"/>
+                      </a:solidFill>
+                      <a:prstDash val="solid"/>
+                      <a:round/>
+                      <a:headEnd type="none" w="med" len="med"/>
+                      <a:tailEnd type="none" w="med" len="med"/>
+                    </a:lnR>
+                    <a:lnT w="12700" cap="flat" cmpd="sng" algn="ctr">
+                      <a:solidFill>
+                        <a:schemeClr val="tx1"/>
+                      </a:solidFill>
+                      <a:prstDash val="solid"/>
+                      <a:round/>
+                      <a:headEnd type="none" w="med" len="med"/>
+                      <a:tailEnd type="none" w="med" len="med"/>
+                    </a:lnT>
+                    <a:lnB w="12700" cap="flat" cmpd="sng" algn="ctr">
+                      <a:solidFill>
+                        <a:schemeClr val="tx1"/>
+                      </a:solidFill>
+                      <a:prstDash val="solid"/>
+                      <a:round/>
+                      <a:headEnd type="none" w="med" len="med"/>
+                      <a:tailEnd type="none" w="med" len="med"/>
+                    </a:lnB>
+                  </a:tcPr>
+                </a:tc>
+                <a:tc>
+                  <a:txBody>
+                    <a:bodyPr/>
+                    <a:lstStyle/>
+                    <a:p>
+                      <a:endParaRPr lang="de-AT" baseline="0" dirty="0"/>
+                    </a:p>
+                  </a:txBody>
+                  <a:tcPr>
+                    <a:lnL w="12700" cap="flat" cmpd="sng" algn="ctr">
+                      <a:solidFill>
+                        <a:schemeClr val="tx1"/>
+                      </a:solidFill>
+                      <a:prstDash val="solid"/>
+                      <a:round/>
+                      <a:headEnd type="none" w="med" len="med"/>
+                      <a:tailEnd type="none" w="med" len="med"/>
+                    </a:lnL>
+                    <a:lnR w="12700" cap="flat" cmpd="sng" algn="ctr">
+                      <a:solidFill>
+                        <a:schemeClr val="tx1"/>
+                      </a:solidFill>
+                      <a:prstDash val="solid"/>
+                      <a:round/>
+                      <a:headEnd type="none" w="med" len="med"/>
+                      <a:tailEnd type="none" w="med" len="med"/>
+                    </a:lnR>
+                    <a:lnT w="12700" cap="flat" cmpd="sng" algn="ctr">
+                      <a:solidFill>
+                        <a:schemeClr val="tx1"/>
+                      </a:solidFill>
+                      <a:prstDash val="solid"/>
+                      <a:round/>
+                      <a:headEnd type="none" w="med" len="med"/>
+                      <a:tailEnd type="none" w="med" len="med"/>
+                    </a:lnT>
+                    <a:lnB w="12700" cap="flat" cmpd="sng" algn="ctr">
+                      <a:solidFill>
+                        <a:schemeClr val="tx1"/>
+                      </a:solidFill>
+                      <a:prstDash val="solid"/>
+                      <a:round/>
+                      <a:headEnd type="none" w="med" len="med"/>
+                      <a:tailEnd type="none" w="med" len="med"/>
+                    </a:lnB>
+                  </a:tcPr>
+                </a:tc>
+              </a:tr>
+              <a:tr h="370840">
+                <a:tc>
+                  <a:txBody>
+                    <a:bodyPr/>
+                    <a:lstStyle/>
+                    <a:p>
+                      <a:r>
+                        <a:rPr lang="de-AT" baseline="0" dirty="0" smtClean="0"/>
+                        <a:t>Log</a:t>
+                      </a:r>
+                      <a:endParaRPr lang="de-AT" baseline="0" dirty="0"/>
+                    </a:p>
+                  </a:txBody>
+                  <a:tcPr>
+                    <a:lnL w="12700" cap="flat" cmpd="sng" algn="ctr">
+                      <a:solidFill>
+                        <a:schemeClr val="tx1"/>
+                      </a:solidFill>
+                      <a:prstDash val="solid"/>
+                      <a:round/>
+                      <a:headEnd type="none" w="med" len="med"/>
+                      <a:tailEnd type="none" w="med" len="med"/>
+                    </a:lnL>
+                    <a:lnR w="12700" cap="flat" cmpd="sng" algn="ctr">
+                      <a:solidFill>
+                        <a:schemeClr val="tx1"/>
+                      </a:solidFill>
+                      <a:prstDash val="solid"/>
+                      <a:round/>
+                      <a:headEnd type="none" w="med" len="med"/>
+                      <a:tailEnd type="none" w="med" len="med"/>
+                    </a:lnR>
+                    <a:lnT w="12700" cap="flat" cmpd="sng" algn="ctr">
+                      <a:solidFill>
+                        <a:schemeClr val="tx1"/>
+                      </a:solidFill>
+                      <a:prstDash val="solid"/>
+                      <a:round/>
+                      <a:headEnd type="none" w="med" len="med"/>
+                      <a:tailEnd type="none" w="med" len="med"/>
+                    </a:lnT>
+                    <a:lnB w="12700" cap="flat" cmpd="sng" algn="ctr">
+                      <a:solidFill>
+                        <a:schemeClr val="tx1"/>
+                      </a:solidFill>
+                      <a:prstDash val="solid"/>
+                      <a:round/>
+                      <a:headEnd type="none" w="med" len="med"/>
+                      <a:tailEnd type="none" w="med" len="med"/>
+                    </a:lnB>
+                  </a:tcPr>
+                </a:tc>
+                <a:tc>
+                  <a:txBody>
+                    <a:bodyPr/>
+                    <a:lstStyle/>
+                    <a:p>
+                      <a:endParaRPr lang="de-AT" baseline="0" dirty="0"/>
+                    </a:p>
+                  </a:txBody>
+                  <a:tcPr>
+                    <a:lnL w="12700" cap="flat" cmpd="sng" algn="ctr">
+                      <a:solidFill>
+                        <a:schemeClr val="tx1"/>
+                      </a:solidFill>
+                      <a:prstDash val="solid"/>
+                      <a:round/>
+                      <a:headEnd type="none" w="med" len="med"/>
+                      <a:tailEnd type="none" w="med" len="med"/>
+                    </a:lnL>
+                    <a:lnR w="12700" cap="flat" cmpd="sng" algn="ctr">
+                      <a:solidFill>
+                        <a:schemeClr val="tx1"/>
+                      </a:solidFill>
+                      <a:prstDash val="solid"/>
+                      <a:round/>
+                      <a:headEnd type="none" w="med" len="med"/>
+                      <a:tailEnd type="none" w="med" len="med"/>
+                    </a:lnR>
+                    <a:lnT w="12700" cap="flat" cmpd="sng" algn="ctr">
+                      <a:solidFill>
+                        <a:schemeClr val="tx1"/>
+                      </a:solidFill>
+                      <a:prstDash val="solid"/>
+                      <a:round/>
+                      <a:headEnd type="none" w="med" len="med"/>
+                      <a:tailEnd type="none" w="med" len="med"/>
+                    </a:lnT>
+                    <a:lnB w="12700" cap="flat" cmpd="sng" algn="ctr">
+                      <a:solidFill>
+                        <a:schemeClr val="tx1"/>
+                      </a:solidFill>
+                      <a:prstDash val="solid"/>
+                      <a:round/>
+                      <a:headEnd type="none" w="med" len="med"/>
+                      <a:tailEnd type="none" w="med" len="med"/>
+                    </a:lnB>
+                  </a:tcPr>
+                </a:tc>
+                <a:tc>
+                  <a:txBody>
+                    <a:bodyPr/>
+                    <a:lstStyle/>
+                    <a:p>
+                      <a:endParaRPr lang="de-AT" baseline="0" dirty="0"/>
+                    </a:p>
+                  </a:txBody>
+                  <a:tcPr>
+                    <a:lnL w="12700" cap="flat" cmpd="sng" algn="ctr">
+                      <a:solidFill>
+                        <a:schemeClr val="tx1"/>
+                      </a:solidFill>
+                      <a:prstDash val="solid"/>
+                      <a:round/>
+                      <a:headEnd type="none" w="med" len="med"/>
+                      <a:tailEnd type="none" w="med" len="med"/>
+                    </a:lnL>
+                    <a:lnR w="12700" cap="flat" cmpd="sng" algn="ctr">
+                      <a:solidFill>
+                        <a:schemeClr val="tx1"/>
+                      </a:solidFill>
+                      <a:prstDash val="solid"/>
+                      <a:round/>
+                      <a:headEnd type="none" w="med" len="med"/>
+                      <a:tailEnd type="none" w="med" len="med"/>
+                    </a:lnR>
+                    <a:lnT w="12700" cap="flat" cmpd="sng" algn="ctr">
+                      <a:solidFill>
+                        <a:schemeClr val="tx1"/>
+                      </a:solidFill>
+                      <a:prstDash val="solid"/>
+                      <a:round/>
+                      <a:headEnd type="none" w="med" len="med"/>
+                      <a:tailEnd type="none" w="med" len="med"/>
+                    </a:lnT>
+                    <a:lnB w="12700" cap="flat" cmpd="sng" algn="ctr">
+                      <a:solidFill>
+                        <a:schemeClr val="tx1"/>
+                      </a:solidFill>
+                      <a:prstDash val="solid"/>
+                      <a:round/>
+                      <a:headEnd type="none" w="med" len="med"/>
+                      <a:tailEnd type="none" w="med" len="med"/>
+                    </a:lnB>
+                  </a:tcPr>
+                </a:tc>
+                <a:tc>
+                  <a:txBody>
+                    <a:bodyPr/>
+                    <a:lstStyle/>
+                    <a:p>
+                      <a:r>
+                        <a:rPr lang="de-AT" baseline="0" dirty="0" smtClean="0"/>
+                        <a:t>x</a:t>
+                      </a:r>
+                      <a:endParaRPr lang="de-AT" baseline="0" dirty="0"/>
+                    </a:p>
+                  </a:txBody>
+                  <a:tcPr>
+                    <a:lnL w="12700" cap="flat" cmpd="sng" algn="ctr">
+                      <a:solidFill>
+                        <a:schemeClr val="tx1"/>
+                      </a:solidFill>
+                      <a:prstDash val="solid"/>
+                      <a:round/>
+                      <a:headEnd type="none" w="med" len="med"/>
+                      <a:tailEnd type="none" w="med" len="med"/>
+                    </a:lnL>
+                    <a:lnR w="12700" cap="flat" cmpd="sng" algn="ctr">
+                      <a:solidFill>
+                        <a:schemeClr val="tx1"/>
+                      </a:solidFill>
+                      <a:prstDash val="solid"/>
+                      <a:round/>
+                      <a:headEnd type="none" w="med" len="med"/>
+                      <a:tailEnd type="none" w="med" len="med"/>
+                    </a:lnR>
+                    <a:lnT w="12700" cap="flat" cmpd="sng" algn="ctr">
+                      <a:solidFill>
+                        <a:schemeClr val="tx1"/>
+                      </a:solidFill>
+                      <a:prstDash val="solid"/>
+                      <a:round/>
+                      <a:headEnd type="none" w="med" len="med"/>
+                      <a:tailEnd type="none" w="med" len="med"/>
+                    </a:lnT>
+                    <a:lnB w="12700" cap="flat" cmpd="sng" algn="ctr">
+                      <a:solidFill>
+                        <a:schemeClr val="tx1"/>
+                      </a:solidFill>
+                      <a:prstDash val="solid"/>
+                      <a:round/>
+                      <a:headEnd type="none" w="med" len="med"/>
+                      <a:tailEnd type="none" w="med" len="med"/>
+                    </a:lnB>
+                  </a:tcPr>
+                </a:tc>
+              </a:tr>
+              <a:tr h="370840">
+                <a:tc>
+                  <a:txBody>
+                    <a:bodyPr/>
+                    <a:lstStyle/>
+                    <a:p>
+                      <a:r>
+                        <a:rPr lang="de-AT" baseline="0" dirty="0" err="1" smtClean="0"/>
+                        <a:t>Watchdog</a:t>
+                      </a:r>
+                      <a:endParaRPr lang="de-AT" baseline="0" dirty="0"/>
+                    </a:p>
+                  </a:txBody>
+                  <a:tcPr>
+                    <a:lnL w="12700" cap="flat" cmpd="sng" algn="ctr">
+                      <a:solidFill>
+                        <a:schemeClr val="tx1"/>
+                      </a:solidFill>
+                      <a:prstDash val="solid"/>
+                      <a:round/>
+                      <a:headEnd type="none" w="med" len="med"/>
+                      <a:tailEnd type="none" w="med" len="med"/>
+                    </a:lnL>
+                    <a:lnR w="12700" cap="flat" cmpd="sng" algn="ctr">
+                      <a:solidFill>
+                        <a:schemeClr val="tx1"/>
+                      </a:solidFill>
+                      <a:prstDash val="solid"/>
+                      <a:round/>
+                      <a:headEnd type="none" w="med" len="med"/>
+                      <a:tailEnd type="none" w="med" len="med"/>
+                    </a:lnR>
+                    <a:lnT w="12700" cap="flat" cmpd="sng" algn="ctr">
+                      <a:solidFill>
+                        <a:schemeClr val="tx1"/>
+                      </a:solidFill>
+                      <a:prstDash val="solid"/>
+                      <a:round/>
+                      <a:headEnd type="none" w="med" len="med"/>
+                      <a:tailEnd type="none" w="med" len="med"/>
+                    </a:lnT>
+                    <a:lnB w="12700" cap="flat" cmpd="sng" algn="ctr">
+                      <a:solidFill>
+                        <a:schemeClr val="tx1"/>
+                      </a:solidFill>
+                      <a:prstDash val="solid"/>
+                      <a:round/>
+                      <a:headEnd type="none" w="med" len="med"/>
+                      <a:tailEnd type="none" w="med" len="med"/>
+                    </a:lnB>
+                  </a:tcPr>
+                </a:tc>
+                <a:tc>
+                  <a:txBody>
+                    <a:bodyPr/>
+                    <a:lstStyle/>
+                    <a:p>
+                      <a:endParaRPr lang="de-AT" baseline="0" dirty="0"/>
+                    </a:p>
+                  </a:txBody>
+                  <a:tcPr>
+                    <a:lnL w="12700" cap="flat" cmpd="sng" algn="ctr">
+                      <a:solidFill>
+                        <a:schemeClr val="tx1"/>
+                      </a:solidFill>
+                      <a:prstDash val="solid"/>
+                      <a:round/>
+                      <a:headEnd type="none" w="med" len="med"/>
+                      <a:tailEnd type="none" w="med" len="med"/>
+                    </a:lnL>
+                    <a:lnR w="12700" cap="flat" cmpd="sng" algn="ctr">
+                      <a:solidFill>
+                        <a:schemeClr val="tx1"/>
+                      </a:solidFill>
+                      <a:prstDash val="solid"/>
+                      <a:round/>
+                      <a:headEnd type="none" w="med" len="med"/>
+                      <a:tailEnd type="none" w="med" len="med"/>
+                    </a:lnR>
+                    <a:lnT w="12700" cap="flat" cmpd="sng" algn="ctr">
+                      <a:solidFill>
+                        <a:schemeClr val="tx1"/>
+                      </a:solidFill>
+                      <a:prstDash val="solid"/>
+                      <a:round/>
+                      <a:headEnd type="none" w="med" len="med"/>
+                      <a:tailEnd type="none" w="med" len="med"/>
+                    </a:lnT>
+                    <a:lnB w="12700" cap="flat" cmpd="sng" algn="ctr">
+                      <a:solidFill>
+                        <a:schemeClr val="tx1"/>
+                      </a:solidFill>
+                      <a:prstDash val="solid"/>
+                      <a:round/>
+                      <a:headEnd type="none" w="med" len="med"/>
+                      <a:tailEnd type="none" w="med" len="med"/>
+                    </a:lnB>
+                  </a:tcPr>
+                </a:tc>
+                <a:tc>
+                  <a:txBody>
+                    <a:bodyPr/>
+                    <a:lstStyle/>
+                    <a:p>
+                      <a:r>
+                        <a:rPr lang="de-AT" baseline="0" dirty="0" smtClean="0"/>
+                        <a:t>x</a:t>
+                      </a:r>
+                      <a:endParaRPr lang="de-AT" baseline="0" dirty="0"/>
+                    </a:p>
+                  </a:txBody>
+                  <a:tcPr>
+                    <a:lnL w="12700" cap="flat" cmpd="sng" algn="ctr">
+                      <a:solidFill>
+                        <a:schemeClr val="tx1"/>
+                      </a:solidFill>
+                      <a:prstDash val="solid"/>
+                      <a:round/>
+                      <a:headEnd type="none" w="med" len="med"/>
+                      <a:tailEnd type="none" w="med" len="med"/>
+                    </a:lnL>
+                    <a:lnR w="12700" cap="flat" cmpd="sng" algn="ctr">
+                      <a:solidFill>
+                        <a:schemeClr val="tx1"/>
+                      </a:solidFill>
+                      <a:prstDash val="solid"/>
+                      <a:round/>
+                      <a:headEnd type="none" w="med" len="med"/>
+                      <a:tailEnd type="none" w="med" len="med"/>
+                    </a:lnR>
+                    <a:lnT w="12700" cap="flat" cmpd="sng" algn="ctr">
+                      <a:solidFill>
+                        <a:schemeClr val="tx1"/>
+                      </a:solidFill>
+                      <a:prstDash val="solid"/>
+                      <a:round/>
+                      <a:headEnd type="none" w="med" len="med"/>
+                      <a:tailEnd type="none" w="med" len="med"/>
+                    </a:lnT>
+                    <a:lnB w="12700" cap="flat" cmpd="sng" algn="ctr">
+                      <a:solidFill>
+                        <a:schemeClr val="tx1"/>
+                      </a:solidFill>
+                      <a:prstDash val="solid"/>
+                      <a:round/>
+                      <a:headEnd type="none" w="med" len="med"/>
+                      <a:tailEnd type="none" w="med" len="med"/>
+                    </a:lnB>
+                  </a:tcPr>
+                </a:tc>
+                <a:tc>
+                  <a:txBody>
+                    <a:bodyPr/>
+                    <a:lstStyle/>
+                    <a:p>
+                      <a:endParaRPr lang="de-AT" baseline="0" dirty="0"/>
+                    </a:p>
+                  </a:txBody>
+                  <a:tcPr>
+                    <a:lnL w="12700" cap="flat" cmpd="sng" algn="ctr">
+                      <a:solidFill>
+                        <a:schemeClr val="tx1"/>
+                      </a:solidFill>
+                      <a:prstDash val="solid"/>
+                      <a:round/>
+                      <a:headEnd type="none" w="med" len="med"/>
+                      <a:tailEnd type="none" w="med" len="med"/>
+                    </a:lnL>
+                    <a:lnR w="12700" cap="flat" cmpd="sng" algn="ctr">
+                      <a:solidFill>
+                        <a:schemeClr val="tx1"/>
+                      </a:solidFill>
+                      <a:prstDash val="solid"/>
+                      <a:round/>
+                      <a:headEnd type="none" w="med" len="med"/>
+                      <a:tailEnd type="none" w="med" len="med"/>
+                    </a:lnR>
+                    <a:lnT w="12700" cap="flat" cmpd="sng" algn="ctr">
+                      <a:solidFill>
+                        <a:schemeClr val="tx1"/>
+                      </a:solidFill>
+                      <a:prstDash val="solid"/>
+                      <a:round/>
+                      <a:headEnd type="none" w="med" len="med"/>
+                      <a:tailEnd type="none" w="med" len="med"/>
+                    </a:lnT>
+                    <a:lnB w="12700" cap="flat" cmpd="sng" algn="ctr">
+                      <a:solidFill>
+                        <a:schemeClr val="tx1"/>
+                      </a:solidFill>
+                      <a:prstDash val="solid"/>
+                      <a:round/>
+                      <a:headEnd type="none" w="med" len="med"/>
+                      <a:tailEnd type="none" w="med" len="med"/>
+                    </a:lnB>
+                  </a:tcPr>
+                </a:tc>
+              </a:tr>
+            </a:tbl>
+          </a:graphicData>
+        </a:graphic>
+      </p:graphicFrame>
+    </p:spTree>
+    <p:extLst>
+      <p:ext uri="{BB962C8B-B14F-4D97-AF65-F5344CB8AC3E}">
+        <p14:creationId xmlns:p14="http://schemas.microsoft.com/office/powerpoint/2010/main" val="3741073739"/>
+      </p:ext>
+    </p:extLst>
+  </p:cSld>
+  <p:clrMapOvr>
+    <a:masterClrMapping/>
+  </p:clrMapOvr>
+</p:sld>
+</file>
+
 <file path=ppt/theme/theme1.xml><?xml version="1.0" encoding="utf-8"?>
-<a:theme xmlns:a="http://schemas.openxmlformats.org/drawingml/2006/main" name="Office Theme">
+<a:theme xmlns:a="http://schemas.openxmlformats.org/drawingml/2006/main" name="Mitschrift">
   <a:themeElements>
     <a:clrScheme name="Office">
       <a:dk1>
@@ -5924,7 +8606,7 @@
   <a:extraClrSchemeLst/>
   <a:extLst>
     <a:ext uri="{05A4C25C-085E-4340-85A3-A5531E510DB2}">
-      <thm15:themeFamily xmlns:thm15="http://schemas.microsoft.com/office/thememl/2012/main" name="Office Theme" id="{62F939B6-93AF-4DB8-9C6B-D6C7DFDC589F}" vid="{4A3C46E8-61CC-4603-A589-7422A47A8E4A}"/>
+      <thm15:themeFamily xmlns:thm15="http://schemas.microsoft.com/office/thememl/2012/main" name="Präsentation2" id="{06BF0240-6205-4033-BDE3-61CC1ECE4688}" vid="{421B489E-EF63-4590-B7A3-63197E32F593}"/>
     </a:ext>
   </a:extLst>
 </a:theme>

--- a/Dokumentation.pptx
+++ b/Dokumentation.pptx
@@ -6528,7 +6528,6 @@
                         <a:rPr lang="de-AT" baseline="0" dirty="0" smtClean="0"/>
                         <a:t>Sekretariat</a:t>
                       </a:r>
-                      <a:endParaRPr lang="de-AT" baseline="0" dirty="0" smtClean="0"/>
                     </a:p>
                   </a:txBody>
                   <a:tcPr>
@@ -6743,7 +6742,6 @@
                         <a:rPr lang="de-AT" baseline="0" dirty="0" smtClean="0"/>
                         <a:t>Mitarbeiter</a:t>
                       </a:r>
-                      <a:endParaRPr lang="de-AT" baseline="0" dirty="0" smtClean="0"/>
                     </a:p>
                   </a:txBody>
                   <a:tcPr>
@@ -7156,7 +7154,6 @@
                         <a:rPr lang="de-AT" baseline="0" dirty="0" smtClean="0"/>
                         <a:t>Montagemitarbeiter</a:t>
                       </a:r>
-                      <a:endParaRPr lang="de-AT" baseline="0" dirty="0" smtClean="0"/>
                     </a:p>
                   </a:txBody>
                   <a:tcPr>
